--- a/chatrobotReport/bigdata representation.pptx
+++ b/chatrobotReport/bigdata representation.pptx
@@ -123,7 +123,7 @@
   </p:defaultTextStyle>
   <p:extLst>
     <p:ext uri="{EFAFB233-063F-42B5-8137-9DF3F51BA10A}">
-      <p15:sldGuideLst xmlns="" xmlns:p15="http://schemas.microsoft.com/office/powerpoint/2012/main">
+      <p15:sldGuideLst xmlns:p15="http://schemas.microsoft.com/office/powerpoint/2012/main" xmlns="">
         <p15:guide id="1" orient="horz" pos="4321">
           <p15:clr>
             <a:srgbClr val="A4A3A4"/>
@@ -137,7 +137,7 @@
       </p15:sldGuideLst>
     </p:ext>
     <p:ext uri="{2D200454-40CA-4A62-9FC3-DE9A4176ACB9}">
-      <p15:notesGuideLst xmlns="" xmlns:p15="http://schemas.microsoft.com/office/powerpoint/2012/main"/>
+      <p15:notesGuideLst xmlns:p15="http://schemas.microsoft.com/office/powerpoint/2012/main" xmlns=""/>
     </p:ext>
   </p:extLst>
 </p:presentation>
@@ -230,7 +230,7 @@
             <a:fld id="{EFC10EE1-B198-C942-8235-326C972CBB30}" type="datetimeFigureOut">
               <a:rPr lang="en-US" smtClean="0"/>
               <a:pPr/>
-              <a:t>8/4/2016</a:t>
+              <a:t>8/5/2016</a:t>
             </a:fld>
             <a:endParaRPr lang="en-US" dirty="0"/>
           </a:p>
@@ -403,7 +403,7 @@
     </p:spTree>
     <p:extLst>
       <p:ext uri="{BB962C8B-B14F-4D97-AF65-F5344CB8AC3E}">
-        <p14:creationId xmlns="" xmlns:p14="http://schemas.microsoft.com/office/powerpoint/2010/main" val="3463289142"/>
+        <p14:creationId xmlns:p14="http://schemas.microsoft.com/office/powerpoint/2010/main" xmlns="" val="3463289142"/>
       </p:ext>
     </p:extLst>
   </p:cSld>
@@ -578,7 +578,7 @@
     </p:spTree>
     <p:extLst>
       <p:ext uri="{BB962C8B-B14F-4D97-AF65-F5344CB8AC3E}">
-        <p14:creationId xmlns="" xmlns:p14="http://schemas.microsoft.com/office/powerpoint/2010/main" val="3718370802"/>
+        <p14:creationId xmlns:p14="http://schemas.microsoft.com/office/powerpoint/2010/main" xmlns="" val="3718370802"/>
       </p:ext>
     </p:extLst>
   </p:cSld>
@@ -667,7 +667,7 @@
     </p:spTree>
     <p:extLst>
       <p:ext uri="{BB962C8B-B14F-4D97-AF65-F5344CB8AC3E}">
-        <p14:creationId xmlns="" xmlns:p14="http://schemas.microsoft.com/office/powerpoint/2010/main" val="275490758"/>
+        <p14:creationId xmlns:p14="http://schemas.microsoft.com/office/powerpoint/2010/main" xmlns="" val="275490758"/>
       </p:ext>
     </p:extLst>
   </p:cSld>
@@ -752,7 +752,7 @@
     </p:spTree>
     <p:extLst>
       <p:ext uri="{BB962C8B-B14F-4D97-AF65-F5344CB8AC3E}">
-        <p14:creationId xmlns="" xmlns:p14="http://schemas.microsoft.com/office/powerpoint/2010/main" val="1880211281"/>
+        <p14:creationId xmlns:p14="http://schemas.microsoft.com/office/powerpoint/2010/main" xmlns="" val="1880211281"/>
       </p:ext>
     </p:extLst>
   </p:cSld>
@@ -841,7 +841,7 @@
     </p:spTree>
     <p:extLst>
       <p:ext uri="{BB962C8B-B14F-4D97-AF65-F5344CB8AC3E}">
-        <p14:creationId xmlns="" xmlns:p14="http://schemas.microsoft.com/office/powerpoint/2010/main" val="263128371"/>
+        <p14:creationId xmlns:p14="http://schemas.microsoft.com/office/powerpoint/2010/main" xmlns="" val="263128371"/>
       </p:ext>
     </p:extLst>
   </p:cSld>
@@ -852,6 +852,88 @@
 </file>
 
 <file path=ppt/notesSlides/notesSlide5.xml><?xml version="1.0" encoding="utf-8"?>
+<p:notes xmlns:a="http://schemas.openxmlformats.org/drawingml/2006/main" xmlns:r="http://schemas.openxmlformats.org/officeDocument/2006/relationships" xmlns:p="http://schemas.openxmlformats.org/presentationml/2006/main">
+  <p:cSld>
+    <p:spTree>
+      <p:nvGrpSpPr>
+        <p:cNvPr id="1" name=""/>
+        <p:cNvGrpSpPr/>
+        <p:nvPr/>
+      </p:nvGrpSpPr>
+      <p:grpSpPr>
+        <a:xfrm>
+          <a:off x="0" y="0"/>
+          <a:ext cx="0" cy="0"/>
+          <a:chOff x="0" y="0"/>
+          <a:chExt cx="0" cy="0"/>
+        </a:xfrm>
+      </p:grpSpPr>
+      <p:sp>
+        <p:nvSpPr>
+          <p:cNvPr id="2" name="幻灯片图像占位符 1"/>
+          <p:cNvSpPr>
+            <a:spLocks noGrp="1" noRot="1" noChangeAspect="1"/>
+          </p:cNvSpPr>
+          <p:nvPr>
+            <p:ph type="sldImg"/>
+          </p:nvPr>
+        </p:nvSpPr>
+        <p:spPr/>
+      </p:sp>
+      <p:sp>
+        <p:nvSpPr>
+          <p:cNvPr id="3" name="备注占位符 2"/>
+          <p:cNvSpPr>
+            <a:spLocks noGrp="1"/>
+          </p:cNvSpPr>
+          <p:nvPr>
+            <p:ph type="body" idx="1"/>
+          </p:nvPr>
+        </p:nvSpPr>
+        <p:spPr/>
+        <p:txBody>
+          <a:bodyPr>
+            <a:normAutofit/>
+          </a:bodyPr>
+          <a:lstStyle/>
+          <a:p>
+            <a:endParaRPr lang="zh-CN" altLang="en-US" dirty="0"/>
+          </a:p>
+        </p:txBody>
+      </p:sp>
+      <p:sp>
+        <p:nvSpPr>
+          <p:cNvPr id="4" name="灯片编号占位符 3"/>
+          <p:cNvSpPr>
+            <a:spLocks noGrp="1"/>
+          </p:cNvSpPr>
+          <p:nvPr>
+            <p:ph type="sldNum" sz="quarter" idx="10"/>
+          </p:nvPr>
+        </p:nvSpPr>
+        <p:spPr/>
+        <p:txBody>
+          <a:bodyPr/>
+          <a:lstStyle/>
+          <a:p>
+            <a:fld id="{006BE02D-20C0-F840-AFAC-BEA99C74FDC2}" type="slidenum">
+              <a:rPr lang="en-US" smtClean="0"/>
+              <a:pPr/>
+              <a:t>10</a:t>
+            </a:fld>
+            <a:endParaRPr lang="en-US" dirty="0"/>
+          </a:p>
+        </p:txBody>
+      </p:sp>
+    </p:spTree>
+  </p:cSld>
+  <p:clrMapOvr>
+    <a:masterClrMapping/>
+  </p:clrMapOvr>
+</p:notes>
+</file>
+
+<file path=ppt/notesSlides/notesSlide6.xml><?xml version="1.0" encoding="utf-8"?>
 <p:notes xmlns:a="http://schemas.openxmlformats.org/drawingml/2006/main" xmlns:r="http://schemas.openxmlformats.org/officeDocument/2006/relationships" xmlns:p="http://schemas.openxmlformats.org/presentationml/2006/main">
   <p:cSld>
     <p:spTree>
@@ -926,7 +1008,7 @@
     </p:spTree>
     <p:extLst>
       <p:ext uri="{BB962C8B-B14F-4D97-AF65-F5344CB8AC3E}">
-        <p14:creationId xmlns="" xmlns:p14="http://schemas.microsoft.com/office/powerpoint/2010/main" val="792191139"/>
+        <p14:creationId xmlns:p14="http://schemas.microsoft.com/office/powerpoint/2010/main" xmlns="" val="792191139"/>
       </p:ext>
     </p:extLst>
   </p:cSld>
@@ -1552,7 +1634,7 @@
     </p:spTree>
     <p:extLst>
       <p:ext uri="{BB962C8B-B14F-4D97-AF65-F5344CB8AC3E}">
-        <p14:creationId xmlns="" xmlns:p14="http://schemas.microsoft.com/office/powerpoint/2010/main" val="3942908935"/>
+        <p14:creationId xmlns:p14="http://schemas.microsoft.com/office/powerpoint/2010/main" xmlns="" val="3942908935"/>
       </p:ext>
     </p:extLst>
   </p:cSld>
@@ -2334,7 +2416,7 @@
     </p:spTree>
     <p:extLst>
       <p:ext uri="{BB962C8B-B14F-4D97-AF65-F5344CB8AC3E}">
-        <p14:creationId xmlns="" xmlns:p14="http://schemas.microsoft.com/office/powerpoint/2010/main" val="4254415397"/>
+        <p14:creationId xmlns:p14="http://schemas.microsoft.com/office/powerpoint/2010/main" xmlns="" val="4254415397"/>
       </p:ext>
     </p:extLst>
   </p:cSld>
@@ -2342,7 +2424,7 @@
     <a:masterClrMapping/>
   </p:clrMapOvr>
   <mc:AlternateContent xmlns:mc="http://schemas.openxmlformats.org/markup-compatibility/2006">
-    <mc:Choice xmlns="" xmlns:p14="http://schemas.microsoft.com/office/powerpoint/2010/main" Requires="p14">
+    <mc:Choice xmlns:p14="http://schemas.microsoft.com/office/powerpoint/2010/main" xmlns="" Requires="p14">
       <p:transition spd="slow" p14:dur="1500">
         <p14:reveal/>
       </p:transition>
@@ -3148,7 +3230,7 @@
     </p:spTree>
     <p:extLst>
       <p:ext uri="{BB962C8B-B14F-4D97-AF65-F5344CB8AC3E}">
-        <p14:creationId xmlns="" xmlns:p14="http://schemas.microsoft.com/office/powerpoint/2010/main" val="1081636876"/>
+        <p14:creationId xmlns:p14="http://schemas.microsoft.com/office/powerpoint/2010/main" xmlns="" val="1081636876"/>
       </p:ext>
     </p:extLst>
   </p:cSld>
@@ -3156,7 +3238,7 @@
     <a:masterClrMapping/>
   </p:clrMapOvr>
   <mc:AlternateContent xmlns:mc="http://schemas.openxmlformats.org/markup-compatibility/2006">
-    <mc:Choice xmlns="" xmlns:p14="http://schemas.microsoft.com/office/powerpoint/2010/main" Requires="p14">
+    <mc:Choice xmlns:p14="http://schemas.microsoft.com/office/powerpoint/2010/main" xmlns="" Requires="p14">
       <p:transition spd="slow" p14:dur="1500">
         <p14:reveal/>
       </p:transition>
@@ -3828,7 +3910,7 @@
     </p:spTree>
     <p:extLst>
       <p:ext uri="{BB962C8B-B14F-4D97-AF65-F5344CB8AC3E}">
-        <p14:creationId xmlns="" xmlns:p14="http://schemas.microsoft.com/office/powerpoint/2010/main" val="3665903197"/>
+        <p14:creationId xmlns:p14="http://schemas.microsoft.com/office/powerpoint/2010/main" xmlns="" val="3665903197"/>
       </p:ext>
     </p:extLst>
   </p:cSld>
@@ -4525,7 +4607,7 @@
     </p:spTree>
     <p:extLst>
       <p:ext uri="{BB962C8B-B14F-4D97-AF65-F5344CB8AC3E}">
-        <p14:creationId xmlns="" xmlns:p14="http://schemas.microsoft.com/office/powerpoint/2010/main" val="4032774513"/>
+        <p14:creationId xmlns:p14="http://schemas.microsoft.com/office/powerpoint/2010/main" xmlns="" val="4032774513"/>
       </p:ext>
     </p:extLst>
   </p:cSld>
@@ -4533,7 +4615,7 @@
     <a:masterClrMapping/>
   </p:clrMapOvr>
   <mc:AlternateContent xmlns:mc="http://schemas.openxmlformats.org/markup-compatibility/2006">
-    <mc:Choice xmlns="" xmlns:p14="http://schemas.microsoft.com/office/powerpoint/2010/main" Requires="p14">
+    <mc:Choice xmlns:p14="http://schemas.microsoft.com/office/powerpoint/2010/main" xmlns="" Requires="p14">
       <p:transition p14:dur="0"/>
     </mc:Choice>
     <mc:Fallback>
@@ -5297,7 +5379,7 @@
     </p:spTree>
     <p:extLst>
       <p:ext uri="{BB962C8B-B14F-4D97-AF65-F5344CB8AC3E}">
-        <p14:creationId xmlns="" xmlns:p14="http://schemas.microsoft.com/office/powerpoint/2010/main" val="1047190384"/>
+        <p14:creationId xmlns:p14="http://schemas.microsoft.com/office/powerpoint/2010/main" xmlns="" val="1047190384"/>
       </p:ext>
     </p:extLst>
   </p:cSld>
@@ -5305,7 +5387,7 @@
     <a:masterClrMapping/>
   </p:clrMapOvr>
   <mc:AlternateContent xmlns:mc="http://schemas.openxmlformats.org/markup-compatibility/2006">
-    <mc:Choice xmlns="" xmlns:p14="http://schemas.microsoft.com/office/powerpoint/2010/main" Requires="p14">
+    <mc:Choice xmlns:p14="http://schemas.microsoft.com/office/powerpoint/2010/main" xmlns="" Requires="p14">
       <p:transition spd="slow" p14:dur="1500">
         <p14:reveal/>
       </p:transition>
@@ -6031,7 +6113,7 @@
     </p:spTree>
     <p:extLst>
       <p:ext uri="{BB962C8B-B14F-4D97-AF65-F5344CB8AC3E}">
-        <p14:creationId xmlns="" xmlns:p14="http://schemas.microsoft.com/office/powerpoint/2010/main" val="60420857"/>
+        <p14:creationId xmlns:p14="http://schemas.microsoft.com/office/powerpoint/2010/main" xmlns="" val="60420857"/>
       </p:ext>
     </p:extLst>
   </p:cSld>
@@ -6039,7 +6121,7 @@
     <a:masterClrMapping/>
   </p:clrMapOvr>
   <mc:AlternateContent xmlns:mc="http://schemas.openxmlformats.org/markup-compatibility/2006">
-    <mc:Choice xmlns="" xmlns:p14="http://schemas.microsoft.com/office/powerpoint/2010/main" Requires="p14">
+    <mc:Choice xmlns:p14="http://schemas.microsoft.com/office/powerpoint/2010/main" xmlns="" Requires="p14">
       <p:transition p14:dur="0"/>
     </mc:Choice>
     <mc:Fallback>
@@ -6761,7 +6843,7 @@
     </p:spTree>
     <p:extLst>
       <p:ext uri="{BB962C8B-B14F-4D97-AF65-F5344CB8AC3E}">
-        <p14:creationId xmlns="" xmlns:p14="http://schemas.microsoft.com/office/powerpoint/2010/main" val="439440794"/>
+        <p14:creationId xmlns:p14="http://schemas.microsoft.com/office/powerpoint/2010/main" xmlns="" val="439440794"/>
       </p:ext>
     </p:extLst>
   </p:cSld>
@@ -6769,7 +6851,7 @@
     <a:masterClrMapping/>
   </p:clrMapOvr>
   <mc:AlternateContent xmlns:mc="http://schemas.openxmlformats.org/markup-compatibility/2006">
-    <mc:Choice xmlns="" xmlns:p14="http://schemas.microsoft.com/office/powerpoint/2010/main" Requires="p14">
+    <mc:Choice xmlns:p14="http://schemas.microsoft.com/office/powerpoint/2010/main" xmlns="" Requires="p14">
       <p:transition spd="slow" p14:dur="2000"/>
     </mc:Choice>
     <mc:Fallback>
@@ -7491,7 +7573,7 @@
     </p:spTree>
     <p:extLst>
       <p:ext uri="{BB962C8B-B14F-4D97-AF65-F5344CB8AC3E}">
-        <p14:creationId xmlns="" xmlns:p14="http://schemas.microsoft.com/office/powerpoint/2010/main" val="3129128304"/>
+        <p14:creationId xmlns:p14="http://schemas.microsoft.com/office/powerpoint/2010/main" xmlns="" val="3129128304"/>
       </p:ext>
     </p:extLst>
   </p:cSld>
@@ -7499,7 +7581,7 @@
     <a:masterClrMapping/>
   </p:clrMapOvr>
   <mc:AlternateContent xmlns:mc="http://schemas.openxmlformats.org/markup-compatibility/2006">
-    <mc:Choice xmlns="" xmlns:p14="http://schemas.microsoft.com/office/powerpoint/2010/main" Requires="p14">
+    <mc:Choice xmlns:p14="http://schemas.microsoft.com/office/powerpoint/2010/main" xmlns="" Requires="p14">
       <p:transition spd="slow" p14:dur="2000"/>
     </mc:Choice>
     <mc:Fallback>
@@ -8357,7 +8439,7 @@
     </p:spTree>
     <p:extLst>
       <p:ext uri="{BB962C8B-B14F-4D97-AF65-F5344CB8AC3E}">
-        <p14:creationId xmlns="" xmlns:p14="http://schemas.microsoft.com/office/powerpoint/2010/main" val="3277579660"/>
+        <p14:creationId xmlns:p14="http://schemas.microsoft.com/office/powerpoint/2010/main" xmlns="" val="3277579660"/>
       </p:ext>
     </p:extLst>
   </p:cSld>
@@ -8365,7 +8447,7 @@
     <a:masterClrMapping/>
   </p:clrMapOvr>
   <mc:AlternateContent xmlns:mc="http://schemas.openxmlformats.org/markup-compatibility/2006">
-    <mc:Choice xmlns="" xmlns:p14="http://schemas.microsoft.com/office/powerpoint/2010/main" Requires="p14">
+    <mc:Choice xmlns:p14="http://schemas.microsoft.com/office/powerpoint/2010/main" xmlns="" Requires="p14">
       <p:transition spd="slow" p14:dur="2000"/>
     </mc:Choice>
     <mc:Fallback>
@@ -9387,7 +9469,7 @@
     </p:spTree>
     <p:extLst>
       <p:ext uri="{BB962C8B-B14F-4D97-AF65-F5344CB8AC3E}">
-        <p14:creationId xmlns="" xmlns:p14="http://schemas.microsoft.com/office/powerpoint/2010/main" val="1126447699"/>
+        <p14:creationId xmlns:p14="http://schemas.microsoft.com/office/powerpoint/2010/main" xmlns="" val="1126447699"/>
       </p:ext>
     </p:extLst>
   </p:cSld>
@@ -9395,7 +9477,7 @@
     <a:masterClrMapping/>
   </p:clrMapOvr>
   <mc:AlternateContent xmlns:mc="http://schemas.openxmlformats.org/markup-compatibility/2006">
-    <mc:Choice xmlns="" xmlns:p14="http://schemas.microsoft.com/office/powerpoint/2010/main" Requires="p14">
+    <mc:Choice xmlns:p14="http://schemas.microsoft.com/office/powerpoint/2010/main" xmlns="" Requires="p14">
       <p:transition spd="slow" p14:dur="2000"/>
     </mc:Choice>
     <mc:Fallback>
@@ -10182,7 +10264,7 @@
     </p:spTree>
     <p:extLst>
       <p:ext uri="{BB962C8B-B14F-4D97-AF65-F5344CB8AC3E}">
-        <p14:creationId xmlns="" xmlns:p14="http://schemas.microsoft.com/office/powerpoint/2010/main" val="2066192413"/>
+        <p14:creationId xmlns:p14="http://schemas.microsoft.com/office/powerpoint/2010/main" xmlns="" val="2066192413"/>
       </p:ext>
     </p:extLst>
   </p:cSld>
@@ -10190,7 +10272,7 @@
     <a:masterClrMapping/>
   </p:clrMapOvr>
   <mc:AlternateContent xmlns:mc="http://schemas.openxmlformats.org/markup-compatibility/2006">
-    <mc:Choice xmlns="" xmlns:p14="http://schemas.microsoft.com/office/powerpoint/2010/main" Requires="p14">
+    <mc:Choice xmlns:p14="http://schemas.microsoft.com/office/powerpoint/2010/main" xmlns="" Requires="p14">
       <p:transition spd="slow" p14:dur="2000"/>
     </mc:Choice>
     <mc:Fallback>
@@ -10878,7 +10960,7 @@
     </p:spTree>
     <p:extLst>
       <p:ext uri="{BB962C8B-B14F-4D97-AF65-F5344CB8AC3E}">
-        <p14:creationId xmlns="" xmlns:p14="http://schemas.microsoft.com/office/powerpoint/2010/main" val="143797723"/>
+        <p14:creationId xmlns:p14="http://schemas.microsoft.com/office/powerpoint/2010/main" xmlns="" val="143797723"/>
       </p:ext>
     </p:extLst>
   </p:cSld>
@@ -10886,7 +10968,7 @@
     <a:masterClrMapping/>
   </p:clrMapOvr>
   <mc:AlternateContent xmlns:mc="http://schemas.openxmlformats.org/markup-compatibility/2006">
-    <mc:Choice xmlns="" xmlns:p14="http://schemas.microsoft.com/office/powerpoint/2010/main" Requires="p14">
+    <mc:Choice xmlns:p14="http://schemas.microsoft.com/office/powerpoint/2010/main" xmlns="" Requires="p14">
       <p:transition p14:dur="0"/>
     </mc:Choice>
     <mc:Fallback>
@@ -11013,7 +11095,7 @@
     </p:spTree>
     <p:extLst>
       <p:ext uri="{BB962C8B-B14F-4D97-AF65-F5344CB8AC3E}">
-        <p14:creationId xmlns="" xmlns:p14="http://schemas.microsoft.com/office/powerpoint/2010/main" val="1518675533"/>
+        <p14:creationId xmlns:p14="http://schemas.microsoft.com/office/powerpoint/2010/main" xmlns="" val="1518675533"/>
       </p:ext>
     </p:extLst>
   </p:cSld>
@@ -11021,7 +11103,7 @@
     <a:masterClrMapping/>
   </p:clrMapOvr>
   <mc:AlternateContent xmlns:mc="http://schemas.openxmlformats.org/markup-compatibility/2006">
-    <mc:Choice xmlns="" xmlns:p14="http://schemas.microsoft.com/office/powerpoint/2010/main" Requires="p14">
+    <mc:Choice xmlns:p14="http://schemas.microsoft.com/office/powerpoint/2010/main" xmlns="" Requires="p14">
       <p:transition p14:dur="0"/>
     </mc:Choice>
     <mc:Fallback>
@@ -11709,7 +11791,7 @@
     </p:spTree>
     <p:extLst>
       <p:ext uri="{BB962C8B-B14F-4D97-AF65-F5344CB8AC3E}">
-        <p14:creationId xmlns="" xmlns:p14="http://schemas.microsoft.com/office/powerpoint/2010/main" val="720434485"/>
+        <p14:creationId xmlns:p14="http://schemas.microsoft.com/office/powerpoint/2010/main" xmlns="" val="720434485"/>
       </p:ext>
     </p:extLst>
   </p:cSld>
@@ -11717,7 +11799,7 @@
     <a:masterClrMapping/>
   </p:clrMapOvr>
   <mc:AlternateContent xmlns:mc="http://schemas.openxmlformats.org/markup-compatibility/2006">
-    <mc:Choice xmlns="" xmlns:p14="http://schemas.microsoft.com/office/powerpoint/2010/main" Requires="p14">
+    <mc:Choice xmlns:p14="http://schemas.microsoft.com/office/powerpoint/2010/main" xmlns="" Requires="p14">
       <p:transition spd="slow" p14:dur="2000"/>
     </mc:Choice>
     <mc:Fallback>
@@ -12446,7 +12528,7 @@
     </p:spTree>
     <p:extLst>
       <p:ext uri="{BB962C8B-B14F-4D97-AF65-F5344CB8AC3E}">
-        <p14:creationId xmlns="" xmlns:p14="http://schemas.microsoft.com/office/powerpoint/2010/main" val="4274370732"/>
+        <p14:creationId xmlns:p14="http://schemas.microsoft.com/office/powerpoint/2010/main" xmlns="" val="4274370732"/>
       </p:ext>
     </p:extLst>
   </p:cSld>
@@ -12454,7 +12536,7 @@
     <a:masterClrMapping/>
   </p:clrMapOvr>
   <mc:AlternateContent xmlns:mc="http://schemas.openxmlformats.org/markup-compatibility/2006">
-    <mc:Choice xmlns="" xmlns:p14="http://schemas.microsoft.com/office/powerpoint/2010/main" Requires="p14">
+    <mc:Choice xmlns:p14="http://schemas.microsoft.com/office/powerpoint/2010/main" xmlns="" Requires="p14">
       <p:transition spd="slow" p14:dur="2000"/>
     </mc:Choice>
     <mc:Fallback>
@@ -12532,7 +12614,7 @@
     </p:spTree>
     <p:extLst>
       <p:ext uri="{BB962C8B-B14F-4D97-AF65-F5344CB8AC3E}">
-        <p14:creationId xmlns="" xmlns:p14="http://schemas.microsoft.com/office/powerpoint/2010/main" val="735536113"/>
+        <p14:creationId xmlns:p14="http://schemas.microsoft.com/office/powerpoint/2010/main" xmlns="" val="735536113"/>
       </p:ext>
     </p:extLst>
   </p:cSld>
@@ -12540,7 +12622,7 @@
     <a:masterClrMapping/>
   </p:clrMapOvr>
   <mc:AlternateContent xmlns:mc="http://schemas.openxmlformats.org/markup-compatibility/2006">
-    <mc:Choice xmlns="" xmlns:p14="http://schemas.microsoft.com/office/powerpoint/2010/main" Requires="p14">
+    <mc:Choice xmlns:p14="http://schemas.microsoft.com/office/powerpoint/2010/main" xmlns="" Requires="p14">
       <p:transition spd="slow" p14:dur="1500">
         <p14:reveal/>
       </p:transition>
@@ -13270,7 +13352,7 @@
     </p:spTree>
     <p:extLst>
       <p:ext uri="{BB962C8B-B14F-4D97-AF65-F5344CB8AC3E}">
-        <p14:creationId xmlns="" xmlns:p14="http://schemas.microsoft.com/office/powerpoint/2010/main" val="3329121654"/>
+        <p14:creationId xmlns:p14="http://schemas.microsoft.com/office/powerpoint/2010/main" xmlns="" val="3329121654"/>
       </p:ext>
     </p:extLst>
   </p:cSld>
@@ -13278,7 +13360,7 @@
     <a:masterClrMapping/>
   </p:clrMapOvr>
   <mc:AlternateContent xmlns:mc="http://schemas.openxmlformats.org/markup-compatibility/2006">
-    <mc:Choice xmlns="" xmlns:p14="http://schemas.microsoft.com/office/powerpoint/2010/main" Requires="p14">
+    <mc:Choice xmlns:p14="http://schemas.microsoft.com/office/powerpoint/2010/main" xmlns="" Requires="p14">
       <p:transition spd="med" p14:dur="700">
         <p:fade/>
       </p:transition>
@@ -14003,7 +14085,7 @@
     </p:spTree>
     <p:extLst>
       <p:ext uri="{BB962C8B-B14F-4D97-AF65-F5344CB8AC3E}">
-        <p14:creationId xmlns="" xmlns:p14="http://schemas.microsoft.com/office/powerpoint/2010/main" val="3071783467"/>
+        <p14:creationId xmlns:p14="http://schemas.microsoft.com/office/powerpoint/2010/main" xmlns="" val="3071783467"/>
       </p:ext>
     </p:extLst>
   </p:cSld>
@@ -14011,7 +14093,7 @@
     <a:masterClrMapping/>
   </p:clrMapOvr>
   <mc:AlternateContent xmlns:mc="http://schemas.openxmlformats.org/markup-compatibility/2006">
-    <mc:Choice xmlns="" xmlns:p14="http://schemas.microsoft.com/office/powerpoint/2010/main" Requires="p14">
+    <mc:Choice xmlns:p14="http://schemas.microsoft.com/office/powerpoint/2010/main" xmlns="" Requires="p14">
       <p:transition spd="slow" p14:dur="2000"/>
     </mc:Choice>
     <mc:Fallback>
@@ -14267,7 +14349,7 @@
     </p:spTree>
     <p:extLst>
       <p:ext uri="{BB962C8B-B14F-4D97-AF65-F5344CB8AC3E}">
-        <p14:creationId xmlns="" xmlns:p14="http://schemas.microsoft.com/office/powerpoint/2010/main" val="1422848046"/>
+        <p14:creationId xmlns:p14="http://schemas.microsoft.com/office/powerpoint/2010/main" xmlns="" val="1422848046"/>
       </p:ext>
     </p:extLst>
   </p:cSld>
@@ -14294,7 +14376,7 @@
     <p:sldLayoutId id="2147483848" r:id="rId19"/>
   </p:sldLayoutIdLst>
   <mc:AlternateContent xmlns:mc="http://schemas.openxmlformats.org/markup-compatibility/2006">
-    <mc:Choice xmlns="" xmlns:p14="http://schemas.microsoft.com/office/powerpoint/2010/main" Requires="p14">
+    <mc:Choice xmlns:p14="http://schemas.microsoft.com/office/powerpoint/2010/main" xmlns="" Requires="p14">
       <p:transition spd="slow" p14:dur="2000"/>
     </mc:Choice>
     <mc:Fallback>
@@ -15256,7 +15338,7 @@
     </p:spTree>
     <p:extLst>
       <p:ext uri="{BB962C8B-B14F-4D97-AF65-F5344CB8AC3E}">
-        <p14:creationId xmlns="" xmlns:p14="http://schemas.microsoft.com/office/powerpoint/2010/main" val="1981571179"/>
+        <p14:creationId xmlns:p14="http://schemas.microsoft.com/office/powerpoint/2010/main" xmlns="" val="1981571179"/>
       </p:ext>
     </p:extLst>
   </p:cSld>
@@ -15264,7 +15346,7 @@
     <a:masterClrMapping/>
   </p:clrMapOvr>
   <mc:AlternateContent xmlns:mc="http://schemas.openxmlformats.org/markup-compatibility/2006">
-    <mc:Choice xmlns="" xmlns:p14="http://schemas.microsoft.com/office/powerpoint/2010/main" Requires="p14">
+    <mc:Choice xmlns:p14="http://schemas.microsoft.com/office/powerpoint/2010/main" xmlns="" Requires="p14">
       <p:transition p14:dur="0" advClick="0" advTm="3000"/>
     </mc:Choice>
     <mc:Fallback>
@@ -15298,6 +15380,30 @@
           <a:chExt cx="0" cy="0"/>
         </a:xfrm>
       </p:grpSpPr>
+      <p:pic>
+        <p:nvPicPr>
+          <p:cNvPr id="3" name="Picture 2"/>
+          <p:cNvPicPr>
+            <a:picLocks noChangeAspect="1"/>
+          </p:cNvPicPr>
+          <p:nvPr/>
+        </p:nvPicPr>
+        <p:blipFill>
+          <a:blip r:embed="rId3"/>
+          <a:stretch>
+            <a:fillRect/>
+          </a:stretch>
+        </p:blipFill>
+        <p:spPr>
+          <a:xfrm>
+            <a:off x="7176529" y="8496398"/>
+            <a:ext cx="11610565" cy="2980897"/>
+          </a:xfrm>
+          <a:prstGeom prst="rect">
+            <a:avLst/>
+          </a:prstGeom>
+        </p:spPr>
+      </p:pic>
       <p:sp>
         <p:nvSpPr>
           <p:cNvPr id="6" name="TextBox 5"/>
@@ -16152,34 +16258,10 @@
           </a:p>
         </p:txBody>
       </p:sp>
-      <p:pic>
-        <p:nvPicPr>
-          <p:cNvPr id="3" name="Picture 2"/>
-          <p:cNvPicPr>
-            <a:picLocks noChangeAspect="1"/>
-          </p:cNvPicPr>
-          <p:nvPr/>
-        </p:nvPicPr>
-        <p:blipFill>
-          <a:blip r:embed="rId2"/>
-          <a:stretch>
-            <a:fillRect/>
-          </a:stretch>
-        </p:blipFill>
-        <p:spPr>
-          <a:xfrm>
-            <a:off x="7176529" y="8496398"/>
-            <a:ext cx="11610565" cy="2980897"/>
-          </a:xfrm>
-          <a:prstGeom prst="rect">
-            <a:avLst/>
-          </a:prstGeom>
-        </p:spPr>
-      </p:pic>
     </p:spTree>
     <p:extLst>
       <p:ext uri="{BB962C8B-B14F-4D97-AF65-F5344CB8AC3E}">
-        <p14:creationId xmlns="" xmlns:p14="http://schemas.microsoft.com/office/powerpoint/2010/main" val="2912601149"/>
+        <p14:creationId xmlns:p14="http://schemas.microsoft.com/office/powerpoint/2010/main" xmlns="" val="2912601149"/>
       </p:ext>
     </p:extLst>
   </p:cSld>
@@ -16187,7 +16269,7 @@
     <a:masterClrMapping/>
   </p:clrMapOvr>
   <mc:AlternateContent xmlns:mc="http://schemas.openxmlformats.org/markup-compatibility/2006">
-    <mc:Choice xmlns="" xmlns:p14="http://schemas.microsoft.com/office/powerpoint/2010/main" Requires="p14">
+    <mc:Choice xmlns:p14="http://schemas.microsoft.com/office/powerpoint/2010/main" xmlns="" Requires="p14">
       <p:transition spd="slow" p14:dur="3400" advClick="0" advTm="3000">
         <p14:reveal/>
       </p:transition>
@@ -16312,7 +16394,7 @@
                             </p:stCondLst>
                             <p:childTnLst>
                               <p:par>
-                                <p:cTn id="11" presetID="10" presetClass="entr" presetSubtype="0" fill="hold" nodeType="afterEffect">
+                                <p:cTn id="11" presetID="10" presetClass="entr" presetSubtype="0" fill="hold" grpId="0" nodeType="afterEffect">
                                   <p:stCondLst>
                                     <p:cond delay="0"/>
                                   </p:stCondLst>
@@ -16320,6 +16402,50 @@
                                     <p:set>
                                       <p:cBhvr>
                                         <p:cTn id="12" dur="1" fill="hold">
+                                          <p:stCondLst>
+                                            <p:cond delay="0"/>
+                                          </p:stCondLst>
+                                        </p:cTn>
+                                        <p:tgtEl>
+                                          <p:spTgt spid="2"/>
+                                        </p:tgtEl>
+                                        <p:attrNameLst>
+                                          <p:attrName>style.visibility</p:attrName>
+                                        </p:attrNameLst>
+                                      </p:cBhvr>
+                                      <p:to>
+                                        <p:strVal val="visible"/>
+                                      </p:to>
+                                    </p:set>
+                                    <p:animEffect transition="in" filter="fade">
+                                      <p:cBhvr>
+                                        <p:cTn id="13" dur="2000"/>
+                                        <p:tgtEl>
+                                          <p:spTgt spid="2"/>
+                                        </p:tgtEl>
+                                      </p:cBhvr>
+                                    </p:animEffect>
+                                  </p:childTnLst>
+                                </p:cTn>
+                              </p:par>
+                            </p:childTnLst>
+                          </p:cTn>
+                        </p:par>
+                        <p:par>
+                          <p:cTn id="14" fill="hold">
+                            <p:stCondLst>
+                              <p:cond delay="2500"/>
+                            </p:stCondLst>
+                            <p:childTnLst>
+                              <p:par>
+                                <p:cTn id="15" presetID="10" presetClass="entr" presetSubtype="0" fill="hold" nodeType="afterEffect">
+                                  <p:stCondLst>
+                                    <p:cond delay="0"/>
+                                  </p:stCondLst>
+                                  <p:childTnLst>
+                                    <p:set>
+                                      <p:cBhvr>
+                                        <p:cTn id="16" dur="1" fill="hold">
                                           <p:stCondLst>
                                             <p:cond delay="0"/>
                                           </p:stCondLst>
@@ -16337,9 +16463,62 @@
                                     </p:set>
                                     <p:animEffect transition="in" filter="fade">
                                       <p:cBhvr>
-                                        <p:cTn id="13" dur="1000"/>
+                                        <p:cTn id="17" dur="1000"/>
                                         <p:tgtEl>
                                           <p:spTgt spid="6"/>
+                                        </p:tgtEl>
+                                      </p:cBhvr>
+                                    </p:animEffect>
+                                  </p:childTnLst>
+                                </p:cTn>
+                              </p:par>
+                            </p:childTnLst>
+                          </p:cTn>
+                        </p:par>
+                      </p:childTnLst>
+                    </p:cTn>
+                  </p:par>
+                  <p:par>
+                    <p:cTn id="18" fill="hold">
+                      <p:stCondLst>
+                        <p:cond delay="indefinite"/>
+                      </p:stCondLst>
+                      <p:childTnLst>
+                        <p:par>
+                          <p:cTn id="19" fill="hold">
+                            <p:stCondLst>
+                              <p:cond delay="0"/>
+                            </p:stCondLst>
+                            <p:childTnLst>
+                              <p:par>
+                                <p:cTn id="20" presetID="10" presetClass="entr" presetSubtype="0" fill="hold" nodeType="clickEffect">
+                                  <p:stCondLst>
+                                    <p:cond delay="0"/>
+                                  </p:stCondLst>
+                                  <p:childTnLst>
+                                    <p:set>
+                                      <p:cBhvr>
+                                        <p:cTn id="21" dur="1" fill="hold">
+                                          <p:stCondLst>
+                                            <p:cond delay="0"/>
+                                          </p:stCondLst>
+                                        </p:cTn>
+                                        <p:tgtEl>
+                                          <p:spTgt spid="3"/>
+                                        </p:tgtEl>
+                                        <p:attrNameLst>
+                                          <p:attrName>style.visibility</p:attrName>
+                                        </p:attrNameLst>
+                                      </p:cBhvr>
+                                      <p:to>
+                                        <p:strVal val="visible"/>
+                                      </p:to>
+                                    </p:set>
+                                    <p:animEffect transition="in" filter="fade">
+                                      <p:cBhvr>
+                                        <p:cTn id="22" dur="2000"/>
+                                        <p:tgtEl>
+                                          <p:spTgt spid="3"/>
                                         </p:tgtEl>
                                       </p:cBhvr>
                                     </p:animEffect>
@@ -16373,6 +16552,9 @@
         </p:cTn>
       </p:par>
     </p:tnLst>
+    <p:bldLst>
+      <p:bldP spid="2" grpId="0"/>
+    </p:bldLst>
   </p:timing>
 </p:sld>
 </file>
@@ -17142,7 +17324,7 @@
     </p:spTree>
     <p:extLst>
       <p:ext uri="{BB962C8B-B14F-4D97-AF65-F5344CB8AC3E}">
-        <p14:creationId xmlns="" xmlns:p14="http://schemas.microsoft.com/office/powerpoint/2010/main" val="3379451096"/>
+        <p14:creationId xmlns:p14="http://schemas.microsoft.com/office/powerpoint/2010/main" xmlns="" val="3379451096"/>
       </p:ext>
     </p:extLst>
   </p:cSld>
@@ -17150,7 +17332,7 @@
     <a:masterClrMapping/>
   </p:clrMapOvr>
   <mc:AlternateContent xmlns:mc="http://schemas.openxmlformats.org/markup-compatibility/2006">
-    <mc:Choice xmlns="" xmlns:p14="http://schemas.microsoft.com/office/powerpoint/2010/main" Requires="p14">
+    <mc:Choice xmlns:p14="http://schemas.microsoft.com/office/powerpoint/2010/main" xmlns="" Requires="p14">
       <p:transition spd="slow" p14:dur="3400" advClick="0" advTm="3000">
         <p14:reveal/>
       </p:transition>
@@ -17275,7 +17457,7 @@
                             </p:stCondLst>
                             <p:childTnLst>
                               <p:par>
-                                <p:cTn id="11" presetID="10" presetClass="entr" presetSubtype="0" fill="hold" nodeType="afterEffect">
+                                <p:cTn id="11" presetID="10" presetClass="entr" presetSubtype="0" fill="hold" grpId="0" nodeType="afterEffect">
                                   <p:stCondLst>
                                     <p:cond delay="0"/>
                                   </p:stCondLst>
@@ -17283,6 +17465,50 @@
                                     <p:set>
                                       <p:cBhvr>
                                         <p:cTn id="12" dur="1" fill="hold">
+                                          <p:stCondLst>
+                                            <p:cond delay="0"/>
+                                          </p:stCondLst>
+                                        </p:cTn>
+                                        <p:tgtEl>
+                                          <p:spTgt spid="2"/>
+                                        </p:tgtEl>
+                                        <p:attrNameLst>
+                                          <p:attrName>style.visibility</p:attrName>
+                                        </p:attrNameLst>
+                                      </p:cBhvr>
+                                      <p:to>
+                                        <p:strVal val="visible"/>
+                                      </p:to>
+                                    </p:set>
+                                    <p:animEffect transition="in" filter="fade">
+                                      <p:cBhvr>
+                                        <p:cTn id="13" dur="2000"/>
+                                        <p:tgtEl>
+                                          <p:spTgt spid="2"/>
+                                        </p:tgtEl>
+                                      </p:cBhvr>
+                                    </p:animEffect>
+                                  </p:childTnLst>
+                                </p:cTn>
+                              </p:par>
+                            </p:childTnLst>
+                          </p:cTn>
+                        </p:par>
+                        <p:par>
+                          <p:cTn id="14" fill="hold">
+                            <p:stCondLst>
+                              <p:cond delay="2500"/>
+                            </p:stCondLst>
+                            <p:childTnLst>
+                              <p:par>
+                                <p:cTn id="15" presetID="10" presetClass="entr" presetSubtype="0" fill="hold" nodeType="afterEffect">
+                                  <p:stCondLst>
+                                    <p:cond delay="0"/>
+                                  </p:stCondLst>
+                                  <p:childTnLst>
+                                    <p:set>
+                                      <p:cBhvr>
+                                        <p:cTn id="16" dur="1" fill="hold">
                                           <p:stCondLst>
                                             <p:cond delay="0"/>
                                           </p:stCondLst>
@@ -17300,7 +17526,7 @@
                                     </p:set>
                                     <p:animEffect transition="in" filter="fade">
                                       <p:cBhvr>
-                                        <p:cTn id="13" dur="1000"/>
+                                        <p:cTn id="17" dur="1000"/>
                                         <p:tgtEl>
                                           <p:spTgt spid="6"/>
                                         </p:tgtEl>
@@ -17336,6 +17562,9 @@
         </p:cTn>
       </p:par>
     </p:tnLst>
+    <p:bldLst>
+      <p:bldP spid="2" grpId="0"/>
+    </p:bldLst>
   </p:timing>
 </p:sld>
 </file>
@@ -17944,7 +18173,7 @@
     </p:spTree>
     <p:extLst>
       <p:ext uri="{BB962C8B-B14F-4D97-AF65-F5344CB8AC3E}">
-        <p14:creationId xmlns="" xmlns:p14="http://schemas.microsoft.com/office/powerpoint/2010/main" val="1827895734"/>
+        <p14:creationId xmlns:p14="http://schemas.microsoft.com/office/powerpoint/2010/main" xmlns="" val="1827895734"/>
       </p:ext>
     </p:extLst>
   </p:cSld>
@@ -17952,7 +18181,7 @@
     <a:masterClrMapping/>
   </p:clrMapOvr>
   <mc:AlternateContent xmlns:mc="http://schemas.openxmlformats.org/markup-compatibility/2006">
-    <mc:Choice xmlns="" xmlns:p14="http://schemas.microsoft.com/office/powerpoint/2010/main" Requires="p14">
+    <mc:Choice xmlns:p14="http://schemas.microsoft.com/office/powerpoint/2010/main" xmlns="" Requires="p14">
       <p:transition spd="slow" p14:dur="3400" advClick="0" advTm="3000">
         <p14:reveal/>
       </p:transition>
@@ -18077,7 +18306,7 @@
                             </p:stCondLst>
                             <p:childTnLst>
                               <p:par>
-                                <p:cTn id="11" presetID="10" presetClass="entr" presetSubtype="0" fill="hold" nodeType="afterEffect">
+                                <p:cTn id="11" presetID="10" presetClass="entr" presetSubtype="0" fill="hold" grpId="0" nodeType="afterEffect">
                                   <p:stCondLst>
                                     <p:cond delay="0"/>
                                   </p:stCondLst>
@@ -18085,6 +18314,50 @@
                                     <p:set>
                                       <p:cBhvr>
                                         <p:cTn id="12" dur="1" fill="hold">
+                                          <p:stCondLst>
+                                            <p:cond delay="0"/>
+                                          </p:stCondLst>
+                                        </p:cTn>
+                                        <p:tgtEl>
+                                          <p:spTgt spid="2"/>
+                                        </p:tgtEl>
+                                        <p:attrNameLst>
+                                          <p:attrName>style.visibility</p:attrName>
+                                        </p:attrNameLst>
+                                      </p:cBhvr>
+                                      <p:to>
+                                        <p:strVal val="visible"/>
+                                      </p:to>
+                                    </p:set>
+                                    <p:animEffect transition="in" filter="fade">
+                                      <p:cBhvr>
+                                        <p:cTn id="13" dur="2000"/>
+                                        <p:tgtEl>
+                                          <p:spTgt spid="2"/>
+                                        </p:tgtEl>
+                                      </p:cBhvr>
+                                    </p:animEffect>
+                                  </p:childTnLst>
+                                </p:cTn>
+                              </p:par>
+                            </p:childTnLst>
+                          </p:cTn>
+                        </p:par>
+                        <p:par>
+                          <p:cTn id="14" fill="hold">
+                            <p:stCondLst>
+                              <p:cond delay="2500"/>
+                            </p:stCondLst>
+                            <p:childTnLst>
+                              <p:par>
+                                <p:cTn id="15" presetID="10" presetClass="entr" presetSubtype="0" fill="hold" nodeType="afterEffect">
+                                  <p:stCondLst>
+                                    <p:cond delay="0"/>
+                                  </p:stCondLst>
+                                  <p:childTnLst>
+                                    <p:set>
+                                      <p:cBhvr>
+                                        <p:cTn id="16" dur="1" fill="hold">
                                           <p:stCondLst>
                                             <p:cond delay="0"/>
                                           </p:stCondLst>
@@ -18102,7 +18375,7 @@
                                     </p:set>
                                     <p:animEffect transition="in" filter="fade">
                                       <p:cBhvr>
-                                        <p:cTn id="13" dur="1000"/>
+                                        <p:cTn id="17" dur="1000"/>
                                         <p:tgtEl>
                                           <p:spTgt spid="6"/>
                                         </p:tgtEl>
@@ -18138,6 +18411,9 @@
         </p:cTn>
       </p:par>
     </p:tnLst>
+    <p:bldLst>
+      <p:bldP spid="2" grpId="0"/>
+    </p:bldLst>
   </p:timing>
 </p:sld>
 </file>
@@ -18692,7 +18968,7 @@
     </p:spTree>
     <p:extLst>
       <p:ext uri="{BB962C8B-B14F-4D97-AF65-F5344CB8AC3E}">
-        <p14:creationId xmlns="" xmlns:p14="http://schemas.microsoft.com/office/powerpoint/2010/main" val="584268130"/>
+        <p14:creationId xmlns:p14="http://schemas.microsoft.com/office/powerpoint/2010/main" xmlns="" val="584268130"/>
       </p:ext>
     </p:extLst>
   </p:cSld>
@@ -18700,7 +18976,7 @@
     <a:masterClrMapping/>
   </p:clrMapOvr>
   <mc:AlternateContent xmlns:mc="http://schemas.openxmlformats.org/markup-compatibility/2006">
-    <mc:Choice xmlns="" xmlns:p14="http://schemas.microsoft.com/office/powerpoint/2010/main" Requires="p14">
+    <mc:Choice xmlns:p14="http://schemas.microsoft.com/office/powerpoint/2010/main" xmlns="" Requires="p14">
       <p:transition spd="slow" p14:dur="3400" advClick="0" advTm="3000">
         <p14:reveal/>
       </p:transition>
@@ -18825,7 +19101,7 @@
                             </p:stCondLst>
                             <p:childTnLst>
                               <p:par>
-                                <p:cTn id="11" presetID="10" presetClass="entr" presetSubtype="0" fill="hold" nodeType="afterEffect">
+                                <p:cTn id="11" presetID="10" presetClass="entr" presetSubtype="0" fill="hold" grpId="0" nodeType="afterEffect">
                                   <p:stCondLst>
                                     <p:cond delay="0"/>
                                   </p:stCondLst>
@@ -18833,6 +19109,50 @@
                                     <p:set>
                                       <p:cBhvr>
                                         <p:cTn id="12" dur="1" fill="hold">
+                                          <p:stCondLst>
+                                            <p:cond delay="0"/>
+                                          </p:stCondLst>
+                                        </p:cTn>
+                                        <p:tgtEl>
+                                          <p:spTgt spid="2"/>
+                                        </p:tgtEl>
+                                        <p:attrNameLst>
+                                          <p:attrName>style.visibility</p:attrName>
+                                        </p:attrNameLst>
+                                      </p:cBhvr>
+                                      <p:to>
+                                        <p:strVal val="visible"/>
+                                      </p:to>
+                                    </p:set>
+                                    <p:animEffect transition="in" filter="fade">
+                                      <p:cBhvr>
+                                        <p:cTn id="13" dur="2000"/>
+                                        <p:tgtEl>
+                                          <p:spTgt spid="2"/>
+                                        </p:tgtEl>
+                                      </p:cBhvr>
+                                    </p:animEffect>
+                                  </p:childTnLst>
+                                </p:cTn>
+                              </p:par>
+                            </p:childTnLst>
+                          </p:cTn>
+                        </p:par>
+                        <p:par>
+                          <p:cTn id="14" fill="hold">
+                            <p:stCondLst>
+                              <p:cond delay="2500"/>
+                            </p:stCondLst>
+                            <p:childTnLst>
+                              <p:par>
+                                <p:cTn id="15" presetID="10" presetClass="entr" presetSubtype="0" fill="hold" nodeType="afterEffect">
+                                  <p:stCondLst>
+                                    <p:cond delay="0"/>
+                                  </p:stCondLst>
+                                  <p:childTnLst>
+                                    <p:set>
+                                      <p:cBhvr>
+                                        <p:cTn id="16" dur="1" fill="hold">
                                           <p:stCondLst>
                                             <p:cond delay="0"/>
                                           </p:stCondLst>
@@ -18850,9 +19170,97 @@
                                     </p:set>
                                     <p:animEffect transition="in" filter="fade">
                                       <p:cBhvr>
-                                        <p:cTn id="13" dur="1000"/>
+                                        <p:cTn id="17" dur="1000"/>
                                         <p:tgtEl>
                                           <p:spTgt spid="6"/>
+                                        </p:tgtEl>
+                                      </p:cBhvr>
+                                    </p:animEffect>
+                                  </p:childTnLst>
+                                </p:cTn>
+                              </p:par>
+                            </p:childTnLst>
+                          </p:cTn>
+                        </p:par>
+                      </p:childTnLst>
+                    </p:cTn>
+                  </p:par>
+                  <p:par>
+                    <p:cTn id="18" fill="hold">
+                      <p:stCondLst>
+                        <p:cond delay="indefinite"/>
+                      </p:stCondLst>
+                      <p:childTnLst>
+                        <p:par>
+                          <p:cTn id="19" fill="hold">
+                            <p:stCondLst>
+                              <p:cond delay="0"/>
+                            </p:stCondLst>
+                            <p:childTnLst>
+                              <p:par>
+                                <p:cTn id="20" presetID="10" presetClass="entr" presetSubtype="0" fill="hold" nodeType="clickEffect">
+                                  <p:stCondLst>
+                                    <p:cond delay="0"/>
+                                  </p:stCondLst>
+                                  <p:childTnLst>
+                                    <p:set>
+                                      <p:cBhvr>
+                                        <p:cTn id="21" dur="1" fill="hold">
+                                          <p:stCondLst>
+                                            <p:cond delay="0"/>
+                                          </p:stCondLst>
+                                        </p:cTn>
+                                        <p:tgtEl>
+                                          <p:spTgt spid="4"/>
+                                        </p:tgtEl>
+                                        <p:attrNameLst>
+                                          <p:attrName>style.visibility</p:attrName>
+                                        </p:attrNameLst>
+                                      </p:cBhvr>
+                                      <p:to>
+                                        <p:strVal val="visible"/>
+                                      </p:to>
+                                    </p:set>
+                                    <p:animEffect transition="in" filter="fade">
+                                      <p:cBhvr>
+                                        <p:cTn id="22" dur="2000"/>
+                                        <p:tgtEl>
+                                          <p:spTgt spid="4"/>
+                                        </p:tgtEl>
+                                      </p:cBhvr>
+                                    </p:animEffect>
+                                  </p:childTnLst>
+                                </p:cTn>
+                              </p:par>
+                              <p:par>
+                                <p:cTn id="23" presetID="10" presetClass="entr" presetSubtype="0" fill="hold" nodeType="withEffect">
+                                  <p:stCondLst>
+                                    <p:cond delay="0"/>
+                                  </p:stCondLst>
+                                  <p:childTnLst>
+                                    <p:set>
+                                      <p:cBhvr>
+                                        <p:cTn id="24" dur="1" fill="hold">
+                                          <p:stCondLst>
+                                            <p:cond delay="0"/>
+                                          </p:stCondLst>
+                                        </p:cTn>
+                                        <p:tgtEl>
+                                          <p:spTgt spid="3"/>
+                                        </p:tgtEl>
+                                        <p:attrNameLst>
+                                          <p:attrName>style.visibility</p:attrName>
+                                        </p:attrNameLst>
+                                      </p:cBhvr>
+                                      <p:to>
+                                        <p:strVal val="visible"/>
+                                      </p:to>
+                                    </p:set>
+                                    <p:animEffect transition="in" filter="fade">
+                                      <p:cBhvr>
+                                        <p:cTn id="25" dur="2000"/>
+                                        <p:tgtEl>
+                                          <p:spTgt spid="3"/>
                                         </p:tgtEl>
                                       </p:cBhvr>
                                     </p:animEffect>
@@ -18886,6 +19294,9 @@
         </p:cTn>
       </p:par>
     </p:tnLst>
+    <p:bldLst>
+      <p:bldP spid="2" grpId="0"/>
+    </p:bldLst>
   </p:timing>
 </p:sld>
 </file>
@@ -19797,7 +20208,7 @@
             <a:effectLst/>
             <a:extLst>
               <a:ext uri="{91240B29-F687-4f45-9708-019B960494DF}">
-                <a14:hiddenLine xmlns:a14="http://schemas.microsoft.com/office/drawing/2010/main" xmlns="" w="9525" cap="flat">
+                <a14:hiddenLine xmlns="" xmlns:a14="http://schemas.microsoft.com/office/drawing/2010/main" w="9525" cap="flat">
                   <a:solidFill>
                     <a:srgbClr val="808080"/>
                   </a:solidFill>
@@ -19807,7 +20218,7 @@
                 </a14:hiddenLine>
               </a:ext>
               <a:ext uri="{AF507438-7753-43e0-B8FC-AC1667EBCBE1}">
-                <a14:hiddenEffects xmlns:a14="http://schemas.microsoft.com/office/drawing/2010/main" xmlns="">
+                <a14:hiddenEffects xmlns="" xmlns:a14="http://schemas.microsoft.com/office/drawing/2010/main">
                   <a:effectLst>
                     <a:outerShdw blurRad="63500" dist="38099" dir="2700000" algn="ctr" rotWithShape="0">
                       <a:srgbClr val="000000">
@@ -20128,7 +20539,7 @@
             <a:effectLst/>
             <a:extLst>
               <a:ext uri="{91240B29-F687-4f45-9708-019B960494DF}">
-                <a14:hiddenLine xmlns:a14="http://schemas.microsoft.com/office/drawing/2010/main" xmlns="" w="9525" cap="flat">
+                <a14:hiddenLine xmlns="" xmlns:a14="http://schemas.microsoft.com/office/drawing/2010/main" w="9525" cap="flat">
                   <a:solidFill>
                     <a:srgbClr val="808080"/>
                   </a:solidFill>
@@ -20138,7 +20549,7 @@
                 </a14:hiddenLine>
               </a:ext>
               <a:ext uri="{AF507438-7753-43e0-B8FC-AC1667EBCBE1}">
-                <a14:hiddenEffects xmlns:a14="http://schemas.microsoft.com/office/drawing/2010/main" xmlns="">
+                <a14:hiddenEffects xmlns="" xmlns:a14="http://schemas.microsoft.com/office/drawing/2010/main">
                   <a:effectLst>
                     <a:outerShdw blurRad="63500" dist="38099" dir="2700000" algn="ctr" rotWithShape="0">
                       <a:srgbClr val="000000">
@@ -20235,7 +20646,7 @@
             <a:effectLst/>
             <a:extLst>
               <a:ext uri="{91240B29-F687-4f45-9708-019B960494DF}">
-                <a14:hiddenLine xmlns:a14="http://schemas.microsoft.com/office/drawing/2010/main" xmlns="" w="9525" cap="flat">
+                <a14:hiddenLine xmlns="" xmlns:a14="http://schemas.microsoft.com/office/drawing/2010/main" w="9525" cap="flat">
                   <a:solidFill>
                     <a:srgbClr val="808080"/>
                   </a:solidFill>
@@ -20245,7 +20656,7 @@
                 </a14:hiddenLine>
               </a:ext>
               <a:ext uri="{AF507438-7753-43e0-B8FC-AC1667EBCBE1}">
-                <a14:hiddenEffects xmlns:a14="http://schemas.microsoft.com/office/drawing/2010/main" xmlns="">
+                <a14:hiddenEffects xmlns="" xmlns:a14="http://schemas.microsoft.com/office/drawing/2010/main">
                   <a:effectLst>
                     <a:outerShdw blurRad="63500" dist="38099" dir="2700000" algn="ctr" rotWithShape="0">
                       <a:srgbClr val="000000">
@@ -20386,7 +20797,7 @@
             <a:effectLst/>
             <a:extLst>
               <a:ext uri="{91240B29-F687-4f45-9708-019B960494DF}">
-                <a14:hiddenLine xmlns:a14="http://schemas.microsoft.com/office/drawing/2010/main" xmlns="" w="9525" cap="flat">
+                <a14:hiddenLine xmlns="" xmlns:a14="http://schemas.microsoft.com/office/drawing/2010/main" w="9525" cap="flat">
                   <a:solidFill>
                     <a:srgbClr val="808080"/>
                   </a:solidFill>
@@ -20396,7 +20807,7 @@
                 </a14:hiddenLine>
               </a:ext>
               <a:ext uri="{AF507438-7753-43e0-B8FC-AC1667EBCBE1}">
-                <a14:hiddenEffects xmlns:a14="http://schemas.microsoft.com/office/drawing/2010/main" xmlns="">
+                <a14:hiddenEffects xmlns="" xmlns:a14="http://schemas.microsoft.com/office/drawing/2010/main">
                   <a:effectLst>
                     <a:outerShdw blurRad="63500" dist="38099" dir="2700000" algn="ctr" rotWithShape="0">
                       <a:srgbClr val="000000">
@@ -20493,7 +20904,7 @@
             <a:effectLst/>
             <a:extLst>
               <a:ext uri="{91240B29-F687-4f45-9708-019B960494DF}">
-                <a14:hiddenLine xmlns:a14="http://schemas.microsoft.com/office/drawing/2010/main" xmlns="" w="9525" cap="flat">
+                <a14:hiddenLine xmlns="" xmlns:a14="http://schemas.microsoft.com/office/drawing/2010/main" w="9525" cap="flat">
                   <a:solidFill>
                     <a:srgbClr val="808080"/>
                   </a:solidFill>
@@ -20503,7 +20914,7 @@
                 </a14:hiddenLine>
               </a:ext>
               <a:ext uri="{AF507438-7753-43e0-B8FC-AC1667EBCBE1}">
-                <a14:hiddenEffects xmlns:a14="http://schemas.microsoft.com/office/drawing/2010/main" xmlns="">
+                <a14:hiddenEffects xmlns="" xmlns:a14="http://schemas.microsoft.com/office/drawing/2010/main">
                   <a:effectLst>
                     <a:outerShdw blurRad="63500" dist="38099" dir="2700000" algn="ctr" rotWithShape="0">
                       <a:srgbClr val="000000">
@@ -20600,7 +21011,7 @@
             <a:effectLst/>
             <a:extLst>
               <a:ext uri="{91240B29-F687-4f45-9708-019B960494DF}">
-                <a14:hiddenLine xmlns:a14="http://schemas.microsoft.com/office/drawing/2010/main" xmlns="" w="9525" cap="flat">
+                <a14:hiddenLine xmlns="" xmlns:a14="http://schemas.microsoft.com/office/drawing/2010/main" w="9525" cap="flat">
                   <a:solidFill>
                     <a:srgbClr val="808080"/>
                   </a:solidFill>
@@ -20610,7 +21021,7 @@
                 </a14:hiddenLine>
               </a:ext>
               <a:ext uri="{AF507438-7753-43e0-B8FC-AC1667EBCBE1}">
-                <a14:hiddenEffects xmlns:a14="http://schemas.microsoft.com/office/drawing/2010/main" xmlns="">
+                <a14:hiddenEffects xmlns="" xmlns:a14="http://schemas.microsoft.com/office/drawing/2010/main">
                   <a:effectLst>
                     <a:outerShdw blurRad="63500" dist="38099" dir="2700000" algn="ctr" rotWithShape="0">
                       <a:srgbClr val="000000">
@@ -20707,7 +21118,7 @@
             <a:effectLst/>
             <a:extLst>
               <a:ext uri="{91240B29-F687-4f45-9708-019B960494DF}">
-                <a14:hiddenLine xmlns:a14="http://schemas.microsoft.com/office/drawing/2010/main" xmlns="" w="9525" cap="flat">
+                <a14:hiddenLine xmlns="" xmlns:a14="http://schemas.microsoft.com/office/drawing/2010/main" w="9525" cap="flat">
                   <a:solidFill>
                     <a:srgbClr val="808080"/>
                   </a:solidFill>
@@ -20717,7 +21128,7 @@
                 </a14:hiddenLine>
               </a:ext>
               <a:ext uri="{AF507438-7753-43e0-B8FC-AC1667EBCBE1}">
-                <a14:hiddenEffects xmlns:a14="http://schemas.microsoft.com/office/drawing/2010/main" xmlns="">
+                <a14:hiddenEffects xmlns="" xmlns:a14="http://schemas.microsoft.com/office/drawing/2010/main">
                   <a:effectLst>
                     <a:outerShdw blurRad="63500" dist="38099" dir="2700000" algn="ctr" rotWithShape="0">
                       <a:srgbClr val="000000">
@@ -20816,7 +21227,7 @@
             <a:effectLst/>
             <a:extLst>
               <a:ext uri="{91240B29-F687-4f45-9708-019B960494DF}">
-                <a14:hiddenLine xmlns:a14="http://schemas.microsoft.com/office/drawing/2010/main" xmlns="" w="9525" cap="flat">
+                <a14:hiddenLine xmlns="" xmlns:a14="http://schemas.microsoft.com/office/drawing/2010/main" w="9525" cap="flat">
                   <a:solidFill>
                     <a:srgbClr val="808080"/>
                   </a:solidFill>
@@ -20826,7 +21237,7 @@
                 </a14:hiddenLine>
               </a:ext>
               <a:ext uri="{AF507438-7753-43e0-B8FC-AC1667EBCBE1}">
-                <a14:hiddenEffects xmlns:a14="http://schemas.microsoft.com/office/drawing/2010/main" xmlns="">
+                <a14:hiddenEffects xmlns="" xmlns:a14="http://schemas.microsoft.com/office/drawing/2010/main">
                   <a:effectLst>
                     <a:outerShdw blurRad="63500" dist="38099" dir="2700000" algn="ctr" rotWithShape="0">
                       <a:srgbClr val="000000">
@@ -20923,7 +21334,7 @@
             <a:effectLst/>
             <a:extLst>
               <a:ext uri="{91240B29-F687-4f45-9708-019B960494DF}">
-                <a14:hiddenLine xmlns:a14="http://schemas.microsoft.com/office/drawing/2010/main" xmlns="" w="9525" cap="flat">
+                <a14:hiddenLine xmlns="" xmlns:a14="http://schemas.microsoft.com/office/drawing/2010/main" w="9525" cap="flat">
                   <a:solidFill>
                     <a:srgbClr val="808080"/>
                   </a:solidFill>
@@ -20933,7 +21344,7 @@
                 </a14:hiddenLine>
               </a:ext>
               <a:ext uri="{AF507438-7753-43e0-B8FC-AC1667EBCBE1}">
-                <a14:hiddenEffects xmlns:a14="http://schemas.microsoft.com/office/drawing/2010/main" xmlns="">
+                <a14:hiddenEffects xmlns="" xmlns:a14="http://schemas.microsoft.com/office/drawing/2010/main">
                   <a:effectLst>
                     <a:outerShdw blurRad="63500" dist="38099" dir="2700000" algn="ctr" rotWithShape="0">
                       <a:srgbClr val="000000">
@@ -21032,7 +21443,7 @@
             <a:effectLst/>
             <a:extLst>
               <a:ext uri="{91240B29-F687-4f45-9708-019B960494DF}">
-                <a14:hiddenLine xmlns:a14="http://schemas.microsoft.com/office/drawing/2010/main" xmlns="" w="9525" cap="flat">
+                <a14:hiddenLine xmlns="" xmlns:a14="http://schemas.microsoft.com/office/drawing/2010/main" w="9525" cap="flat">
                   <a:solidFill>
                     <a:srgbClr val="808080"/>
                   </a:solidFill>
@@ -21042,7 +21453,7 @@
                 </a14:hiddenLine>
               </a:ext>
               <a:ext uri="{AF507438-7753-43e0-B8FC-AC1667EBCBE1}">
-                <a14:hiddenEffects xmlns:a14="http://schemas.microsoft.com/office/drawing/2010/main" xmlns="">
+                <a14:hiddenEffects xmlns="" xmlns:a14="http://schemas.microsoft.com/office/drawing/2010/main">
                   <a:effectLst>
                     <a:outerShdw blurRad="63500" dist="38099" dir="2700000" algn="ctr" rotWithShape="0">
                       <a:srgbClr val="000000">
@@ -21141,7 +21552,7 @@
             <a:effectLst/>
             <a:extLst>
               <a:ext uri="{91240B29-F687-4f45-9708-019B960494DF}">
-                <a14:hiddenLine xmlns:a14="http://schemas.microsoft.com/office/drawing/2010/main" xmlns="" w="9525" cap="flat">
+                <a14:hiddenLine xmlns="" xmlns:a14="http://schemas.microsoft.com/office/drawing/2010/main" w="9525" cap="flat">
                   <a:solidFill>
                     <a:srgbClr val="808080"/>
                   </a:solidFill>
@@ -21151,7 +21562,7 @@
                 </a14:hiddenLine>
               </a:ext>
               <a:ext uri="{AF507438-7753-43e0-B8FC-AC1667EBCBE1}">
-                <a14:hiddenEffects xmlns:a14="http://schemas.microsoft.com/office/drawing/2010/main" xmlns="">
+                <a14:hiddenEffects xmlns="" xmlns:a14="http://schemas.microsoft.com/office/drawing/2010/main">
                   <a:effectLst>
                     <a:outerShdw blurRad="63500" dist="38099" dir="2700000" algn="ctr" rotWithShape="0">
                       <a:srgbClr val="000000">
@@ -23412,7 +23823,7 @@
             <a:effectLst/>
             <a:extLst>
               <a:ext uri="{91240B29-F687-4f45-9708-019B960494DF}">
-                <a14:hiddenLine xmlns:a14="http://schemas.microsoft.com/office/drawing/2010/main" xmlns="" w="9525" cap="flat">
+                <a14:hiddenLine xmlns="" xmlns:a14="http://schemas.microsoft.com/office/drawing/2010/main" w="9525" cap="flat">
                   <a:solidFill>
                     <a:srgbClr val="808080"/>
                   </a:solidFill>
@@ -23422,7 +23833,7 @@
                 </a14:hiddenLine>
               </a:ext>
               <a:ext uri="{AF507438-7753-43e0-B8FC-AC1667EBCBE1}">
-                <a14:hiddenEffects xmlns:a14="http://schemas.microsoft.com/office/drawing/2010/main" xmlns="">
+                <a14:hiddenEffects xmlns="" xmlns:a14="http://schemas.microsoft.com/office/drawing/2010/main">
                   <a:effectLst>
                     <a:outerShdw blurRad="63500" dist="38099" dir="2700000" algn="ctr" rotWithShape="0">
                       <a:srgbClr val="000000">
@@ -23875,7 +24286,7 @@
             <a:effectLst/>
             <a:extLst>
               <a:ext uri="{91240B29-F687-4f45-9708-019B960494DF}">
-                <a14:hiddenLine xmlns:a14="http://schemas.microsoft.com/office/drawing/2010/main" xmlns="" w="9525" cap="flat">
+                <a14:hiddenLine xmlns="" xmlns:a14="http://schemas.microsoft.com/office/drawing/2010/main" w="9525" cap="flat">
                   <a:solidFill>
                     <a:srgbClr val="808080"/>
                   </a:solidFill>
@@ -23885,7 +24296,7 @@
                 </a14:hiddenLine>
               </a:ext>
               <a:ext uri="{AF507438-7753-43e0-B8FC-AC1667EBCBE1}">
-                <a14:hiddenEffects xmlns:a14="http://schemas.microsoft.com/office/drawing/2010/main" xmlns="">
+                <a14:hiddenEffects xmlns="" xmlns:a14="http://schemas.microsoft.com/office/drawing/2010/main">
                   <a:effectLst>
                     <a:outerShdw blurRad="63500" dist="38099" dir="2700000" algn="ctr" rotWithShape="0">
                       <a:srgbClr val="000000">
@@ -23998,7 +24409,7 @@
             <a:effectLst/>
             <a:extLst>
               <a:ext uri="{91240B29-F687-4f45-9708-019B960494DF}">
-                <a14:hiddenLine xmlns:a14="http://schemas.microsoft.com/office/drawing/2010/main" xmlns="" w="9525" cap="flat">
+                <a14:hiddenLine xmlns="" xmlns:a14="http://schemas.microsoft.com/office/drawing/2010/main" w="9525" cap="flat">
                   <a:solidFill>
                     <a:srgbClr val="808080"/>
                   </a:solidFill>
@@ -24008,7 +24419,7 @@
                 </a14:hiddenLine>
               </a:ext>
               <a:ext uri="{AF507438-7753-43e0-B8FC-AC1667EBCBE1}">
-                <a14:hiddenEffects xmlns:a14="http://schemas.microsoft.com/office/drawing/2010/main" xmlns="">
+                <a14:hiddenEffects xmlns="" xmlns:a14="http://schemas.microsoft.com/office/drawing/2010/main">
                   <a:effectLst>
                     <a:outerShdw blurRad="63500" dist="38099" dir="2700000" algn="ctr" rotWithShape="0">
                       <a:srgbClr val="000000">
@@ -24121,7 +24532,7 @@
             <a:effectLst/>
             <a:extLst>
               <a:ext uri="{91240B29-F687-4f45-9708-019B960494DF}">
-                <a14:hiddenLine xmlns:a14="http://schemas.microsoft.com/office/drawing/2010/main" xmlns="" w="9525" cap="flat">
+                <a14:hiddenLine xmlns="" xmlns:a14="http://schemas.microsoft.com/office/drawing/2010/main" w="9525" cap="flat">
                   <a:solidFill>
                     <a:srgbClr val="808080"/>
                   </a:solidFill>
@@ -24131,7 +24542,7 @@
                 </a14:hiddenLine>
               </a:ext>
               <a:ext uri="{AF507438-7753-43e0-B8FC-AC1667EBCBE1}">
-                <a14:hiddenEffects xmlns:a14="http://schemas.microsoft.com/office/drawing/2010/main" xmlns="">
+                <a14:hiddenEffects xmlns="" xmlns:a14="http://schemas.microsoft.com/office/drawing/2010/main">
                   <a:effectLst>
                     <a:outerShdw blurRad="63500" dist="38099" dir="2700000" algn="ctr" rotWithShape="0">
                       <a:srgbClr val="000000">
@@ -24244,7 +24655,7 @@
             <a:effectLst/>
             <a:extLst>
               <a:ext uri="{91240B29-F687-4f45-9708-019B960494DF}">
-                <a14:hiddenLine xmlns:a14="http://schemas.microsoft.com/office/drawing/2010/main" xmlns="" w="9525" cap="flat">
+                <a14:hiddenLine xmlns="" xmlns:a14="http://schemas.microsoft.com/office/drawing/2010/main" w="9525" cap="flat">
                   <a:solidFill>
                     <a:srgbClr val="808080"/>
                   </a:solidFill>
@@ -24254,7 +24665,7 @@
                 </a14:hiddenLine>
               </a:ext>
               <a:ext uri="{AF507438-7753-43e0-B8FC-AC1667EBCBE1}">
-                <a14:hiddenEffects xmlns:a14="http://schemas.microsoft.com/office/drawing/2010/main" xmlns="">
+                <a14:hiddenEffects xmlns="" xmlns:a14="http://schemas.microsoft.com/office/drawing/2010/main">
                   <a:effectLst>
                     <a:outerShdw blurRad="63500" dist="38099" dir="2700000" algn="ctr" rotWithShape="0">
                       <a:srgbClr val="000000">
@@ -24367,7 +24778,7 @@
             <a:effectLst/>
             <a:extLst>
               <a:ext uri="{91240B29-F687-4f45-9708-019B960494DF}">
-                <a14:hiddenLine xmlns:a14="http://schemas.microsoft.com/office/drawing/2010/main" xmlns="" w="9525" cap="flat">
+                <a14:hiddenLine xmlns="" xmlns:a14="http://schemas.microsoft.com/office/drawing/2010/main" w="9525" cap="flat">
                   <a:solidFill>
                     <a:srgbClr val="808080"/>
                   </a:solidFill>
@@ -24377,7 +24788,7 @@
                 </a14:hiddenLine>
               </a:ext>
               <a:ext uri="{AF507438-7753-43e0-B8FC-AC1667EBCBE1}">
-                <a14:hiddenEffects xmlns:a14="http://schemas.microsoft.com/office/drawing/2010/main" xmlns="">
+                <a14:hiddenEffects xmlns="" xmlns:a14="http://schemas.microsoft.com/office/drawing/2010/main">
                   <a:effectLst>
                     <a:outerShdw blurRad="63500" dist="38099" dir="2700000" algn="ctr" rotWithShape="0">
                       <a:srgbClr val="000000">
@@ -24490,7 +24901,7 @@
             <a:effectLst/>
             <a:extLst>
               <a:ext uri="{91240B29-F687-4f45-9708-019B960494DF}">
-                <a14:hiddenLine xmlns:a14="http://schemas.microsoft.com/office/drawing/2010/main" xmlns="" w="9525" cap="flat">
+                <a14:hiddenLine xmlns="" xmlns:a14="http://schemas.microsoft.com/office/drawing/2010/main" w="9525" cap="flat">
                   <a:solidFill>
                     <a:srgbClr val="808080"/>
                   </a:solidFill>
@@ -24500,7 +24911,7 @@
                 </a14:hiddenLine>
               </a:ext>
               <a:ext uri="{AF507438-7753-43e0-B8FC-AC1667EBCBE1}">
-                <a14:hiddenEffects xmlns:a14="http://schemas.microsoft.com/office/drawing/2010/main" xmlns="">
+                <a14:hiddenEffects xmlns="" xmlns:a14="http://schemas.microsoft.com/office/drawing/2010/main">
                   <a:effectLst>
                     <a:outerShdw blurRad="63500" dist="38099" dir="2700000" algn="ctr" rotWithShape="0">
                       <a:srgbClr val="000000">
@@ -24613,7 +25024,7 @@
             <a:effectLst/>
             <a:extLst>
               <a:ext uri="{91240B29-F687-4f45-9708-019B960494DF}">
-                <a14:hiddenLine xmlns:a14="http://schemas.microsoft.com/office/drawing/2010/main" xmlns="" w="9525" cap="flat">
+                <a14:hiddenLine xmlns="" xmlns:a14="http://schemas.microsoft.com/office/drawing/2010/main" w="9525" cap="flat">
                   <a:solidFill>
                     <a:srgbClr val="808080"/>
                   </a:solidFill>
@@ -24623,7 +25034,7 @@
                 </a14:hiddenLine>
               </a:ext>
               <a:ext uri="{AF507438-7753-43e0-B8FC-AC1667EBCBE1}">
-                <a14:hiddenEffects xmlns:a14="http://schemas.microsoft.com/office/drawing/2010/main" xmlns="">
+                <a14:hiddenEffects xmlns="" xmlns:a14="http://schemas.microsoft.com/office/drawing/2010/main">
                   <a:effectLst>
                     <a:outerShdw blurRad="63500" dist="38099" dir="2700000" algn="ctr" rotWithShape="0">
                       <a:srgbClr val="000000">
@@ -24736,7 +25147,7 @@
             <a:effectLst/>
             <a:extLst>
               <a:ext uri="{91240B29-F687-4f45-9708-019B960494DF}">
-                <a14:hiddenLine xmlns:a14="http://schemas.microsoft.com/office/drawing/2010/main" xmlns="" w="9525" cap="flat">
+                <a14:hiddenLine xmlns="" xmlns:a14="http://schemas.microsoft.com/office/drawing/2010/main" w="9525" cap="flat">
                   <a:solidFill>
                     <a:srgbClr val="808080"/>
                   </a:solidFill>
@@ -24746,7 +25157,7 @@
                 </a14:hiddenLine>
               </a:ext>
               <a:ext uri="{AF507438-7753-43e0-B8FC-AC1667EBCBE1}">
-                <a14:hiddenEffects xmlns:a14="http://schemas.microsoft.com/office/drawing/2010/main" xmlns="">
+                <a14:hiddenEffects xmlns="" xmlns:a14="http://schemas.microsoft.com/office/drawing/2010/main">
                   <a:effectLst>
                     <a:outerShdw blurRad="63500" dist="38099" dir="2700000" algn="ctr" rotWithShape="0">
                       <a:srgbClr val="000000">
@@ -24859,7 +25270,7 @@
             <a:effectLst/>
             <a:extLst>
               <a:ext uri="{91240B29-F687-4f45-9708-019B960494DF}">
-                <a14:hiddenLine xmlns:a14="http://schemas.microsoft.com/office/drawing/2010/main" xmlns="" w="9525" cap="flat">
+                <a14:hiddenLine xmlns="" xmlns:a14="http://schemas.microsoft.com/office/drawing/2010/main" w="9525" cap="flat">
                   <a:solidFill>
                     <a:srgbClr val="808080"/>
                   </a:solidFill>
@@ -24869,7 +25280,7 @@
                 </a14:hiddenLine>
               </a:ext>
               <a:ext uri="{AF507438-7753-43e0-B8FC-AC1667EBCBE1}">
-                <a14:hiddenEffects xmlns:a14="http://schemas.microsoft.com/office/drawing/2010/main" xmlns="">
+                <a14:hiddenEffects xmlns="" xmlns:a14="http://schemas.microsoft.com/office/drawing/2010/main">
                   <a:effectLst>
                     <a:outerShdw blurRad="63500" dist="38099" dir="2700000" algn="ctr" rotWithShape="0">
                       <a:srgbClr val="000000">
@@ -24895,7 +25306,7 @@
     </p:spTree>
     <p:extLst>
       <p:ext uri="{BB962C8B-B14F-4D97-AF65-F5344CB8AC3E}">
-        <p14:creationId xmlns="" xmlns:p14="http://schemas.microsoft.com/office/powerpoint/2010/main" val="1932680305"/>
+        <p14:creationId xmlns:p14="http://schemas.microsoft.com/office/powerpoint/2010/main" xmlns="" val="1932680305"/>
       </p:ext>
     </p:extLst>
   </p:cSld>
@@ -24903,7 +25314,7 @@
     <a:masterClrMapping/>
   </p:clrMapOvr>
   <mc:AlternateContent xmlns:mc="http://schemas.openxmlformats.org/markup-compatibility/2006">
-    <mc:Choice xmlns="" xmlns:p14="http://schemas.microsoft.com/office/powerpoint/2010/main" Requires="p14">
+    <mc:Choice xmlns:p14="http://schemas.microsoft.com/office/powerpoint/2010/main" xmlns="" Requires="p14">
       <p:transition spd="slow" p14:dur="3400" advClick="0" advTm="3000">
         <p14:reveal/>
       </p:transition>
@@ -25363,7 +25774,7 @@
     </p:spTree>
     <p:extLst>
       <p:ext uri="{BB962C8B-B14F-4D97-AF65-F5344CB8AC3E}">
-        <p14:creationId xmlns="" xmlns:p14="http://schemas.microsoft.com/office/powerpoint/2010/main" val="2895927473"/>
+        <p14:creationId xmlns:p14="http://schemas.microsoft.com/office/powerpoint/2010/main" xmlns="" val="2895927473"/>
       </p:ext>
     </p:extLst>
   </p:cSld>
@@ -25371,7 +25782,7 @@
     <a:masterClrMapping/>
   </p:clrMapOvr>
   <mc:AlternateContent xmlns:mc="http://schemas.openxmlformats.org/markup-compatibility/2006">
-    <mc:Choice xmlns="" xmlns:p14="http://schemas.microsoft.com/office/powerpoint/2010/main" Requires="p14">
+    <mc:Choice xmlns:p14="http://schemas.microsoft.com/office/powerpoint/2010/main" xmlns="" Requires="p14">
       <p:transition spd="med" p14:dur="700" advClick="0" advTm="3000">
         <p:fade/>
       </p:transition>
@@ -25772,24 +26183,21 @@
                   <a:buNone/>
                 </a:pPr>
                 <a:r>
-                  <a:rPr lang="en-US" sz="2400" dirty="0" smtClean="0">
-                    <a:latin typeface="Calibri Light"/>
-                    <a:ea typeface="Open Sans Light" panose="020B0306030504020204" pitchFamily="34" charset="0"/>
+                  <a:rPr lang="en-US" sz="3600" dirty="0" smtClean="0">
+                    <a:latin typeface="+mn-ea"/>
                     <a:cs typeface="Calibri Light"/>
                   </a:rPr>
                   <a:t>SA</a:t>
                 </a:r>
                 <a:r>
-                  <a:rPr lang="zh-CN" altLang="en-US" sz="2400" dirty="0" smtClean="0">
-                    <a:latin typeface="Calibri Light"/>
-                    <a:ea typeface="Open Sans Light" panose="020B0306030504020204" pitchFamily="34" charset="0"/>
+                  <a:rPr lang="zh-CN" altLang="en-US" sz="3600" dirty="0" smtClean="0">
+                    <a:latin typeface="+mn-ea"/>
                     <a:cs typeface="Calibri Light"/>
                   </a:rPr>
                   <a:t>和客户沟通需求，达成合作意向</a:t>
                 </a:r>
-                <a:endParaRPr lang="en-US" sz="2400" dirty="0">
-                  <a:latin typeface="Calibri Light"/>
-                  <a:ea typeface="Open Sans Light" panose="020B0306030504020204" pitchFamily="34" charset="0"/>
+                <a:endParaRPr lang="en-US" sz="3600" dirty="0">
+                  <a:latin typeface="+mn-ea"/>
                   <a:cs typeface="Calibri Light"/>
                 </a:endParaRPr>
               </a:p>
@@ -25804,7 +26212,7 @@
             <p:spPr>
               <a:xfrm>
                 <a:off x="3315866" y="6612406"/>
-                <a:ext cx="2655310" cy="677072"/>
+                <a:ext cx="2655310" cy="800183"/>
               </a:xfrm>
               <a:prstGeom prst="rect">
                 <a:avLst/>
@@ -25819,13 +26227,13 @@
               <a:p>
                 <a:pPr algn="ctr"/>
                 <a:r>
-                  <a:rPr lang="zh-CN" altLang="en-US" sz="3200" b="1" dirty="0" smtClean="0">
+                  <a:rPr lang="zh-CN" altLang="en-US" sz="4000" b="1" dirty="0" smtClean="0">
                     <a:latin typeface="Lato Regular"/>
                     <a:cs typeface="Lato Regular"/>
                   </a:rPr>
                   <a:t>需求讨论</a:t>
                 </a:r>
-                <a:endParaRPr lang="en-US" sz="3200" b="1" dirty="0">
+                <a:endParaRPr lang="en-US" altLang="en-US" sz="4000" b="1" dirty="0">
                   <a:latin typeface="Lato Regular"/>
                   <a:cs typeface="Lato Regular"/>
                 </a:endParaRPr>
@@ -26044,10 +26452,10 @@
           </p:nvGrpSpPr>
           <p:grpSpPr>
             <a:xfrm>
-              <a:off x="10143586" y="5089753"/>
-              <a:ext cx="4186968" cy="1943034"/>
-              <a:chOff x="2564013" y="6612406"/>
-              <a:chExt cx="4186968" cy="1943034"/>
+              <a:off x="10143586" y="5058222"/>
+              <a:ext cx="4186968" cy="1974565"/>
+              <a:chOff x="2564013" y="6580875"/>
+              <a:chExt cx="4186968" cy="1974565"/>
             </a:xfrm>
           </p:grpSpPr>
           <p:sp>
@@ -26240,24 +26648,14 @@
                   <a:buNone/>
                 </a:pPr>
                 <a:r>
-                  <a:rPr lang="zh-CN" altLang="en-US" sz="2400" dirty="0">
-                    <a:latin typeface="Calibri Light"/>
-                    <a:ea typeface="Open Sans Light" panose="020B0306030504020204" pitchFamily="34" charset="0"/>
+                  <a:rPr lang="zh-CN" altLang="en-US" sz="3600" dirty="0" smtClean="0">
+                    <a:latin typeface="+mn-ea"/>
                     <a:cs typeface="Calibri Light"/>
                   </a:rPr>
-                  <a:t>设</a:t>
+                  <a:t>设计数据仓库模型</a:t>
                 </a:r>
-                <a:r>
-                  <a:rPr lang="zh-CN" altLang="en-US" sz="2400" dirty="0" smtClean="0">
-                    <a:latin typeface="Calibri Light"/>
-                    <a:ea typeface="Open Sans Light" panose="020B0306030504020204" pitchFamily="34" charset="0"/>
-                    <a:cs typeface="Calibri Light"/>
-                  </a:rPr>
-                  <a:t>计数据仓库模型</a:t>
-                </a:r>
-                <a:endParaRPr lang="en-US" sz="2400" dirty="0">
-                  <a:latin typeface="Calibri Light"/>
-                  <a:ea typeface="Open Sans Light" panose="020B0306030504020204" pitchFamily="34" charset="0"/>
+                <a:endParaRPr lang="en-US" altLang="en-US" sz="3600" dirty="0">
+                  <a:latin typeface="+mn-ea"/>
                   <a:cs typeface="Calibri Light"/>
                 </a:endParaRPr>
               </a:p>
@@ -26271,8 +26669,8 @@
             </p:nvSpPr>
             <p:spPr>
               <a:xfrm>
-                <a:off x="3103931" y="6612406"/>
-                <a:ext cx="3050120" cy="677072"/>
+                <a:off x="2851683" y="6580875"/>
+                <a:ext cx="3647050" cy="800183"/>
               </a:xfrm>
               <a:prstGeom prst="rect">
                 <a:avLst/>
@@ -26287,13 +26685,13 @@
               <a:p>
                 <a:pPr algn="ctr"/>
                 <a:r>
-                  <a:rPr lang="zh-CN" altLang="en-US" sz="3200" b="1" dirty="0" smtClean="0">
+                  <a:rPr lang="zh-CN" altLang="en-US" sz="4000" b="1" dirty="0" smtClean="0">
                     <a:latin typeface="Lato Regular"/>
                     <a:cs typeface="Lato Regular"/>
                   </a:rPr>
                   <a:t>数据仓库建模</a:t>
                 </a:r>
-                <a:endParaRPr lang="en-US" sz="3200" b="1" dirty="0">
+                <a:endParaRPr lang="en-US" altLang="en-US" sz="4000" b="1" dirty="0">
                   <a:latin typeface="Lato Regular"/>
                   <a:cs typeface="Lato Regular"/>
                 </a:endParaRPr>
@@ -26708,32 +27106,28 @@
                   <a:buNone/>
                 </a:pPr>
                 <a:r>
-                  <a:rPr lang="zh-CN" altLang="en-US" sz="2400" dirty="0" smtClean="0">
-                    <a:latin typeface="Calibri Light"/>
-                    <a:ea typeface="Open Sans Light" panose="020B0306030504020204" pitchFamily="34" charset="0"/>
+                  <a:rPr lang="zh-CN" altLang="en-US" sz="3600" dirty="0" smtClean="0">
+                    <a:latin typeface="+mn-ea"/>
                     <a:cs typeface="Calibri Light"/>
                   </a:rPr>
                   <a:t>开发</a:t>
                 </a:r>
                 <a:r>
-                  <a:rPr lang="en-US" altLang="zh-CN" sz="2400" dirty="0" smtClean="0">
-                    <a:latin typeface="Calibri Light"/>
-                    <a:ea typeface="Open Sans Light" panose="020B0306030504020204" pitchFamily="34" charset="0"/>
+                  <a:rPr lang="en-US" altLang="zh-CN" sz="3600" dirty="0" smtClean="0">
+                    <a:latin typeface="+mn-ea"/>
                     <a:cs typeface="Calibri Light"/>
                   </a:rPr>
                   <a:t>BDI</a:t>
                 </a:r>
                 <a:r>
-                  <a:rPr lang="zh-CN" altLang="en-US" sz="2400" dirty="0" smtClean="0">
-                    <a:latin typeface="Calibri Light"/>
-                    <a:ea typeface="Open Sans Light" panose="020B0306030504020204" pitchFamily="34" charset="0"/>
+                  <a:rPr lang="zh-CN" altLang="en-US" sz="3600" dirty="0" smtClean="0">
+                    <a:latin typeface="+mn-ea"/>
                     <a:cs typeface="Calibri Light"/>
                   </a:rPr>
                   <a:t>流程，并验证部署</a:t>
                 </a:r>
-                <a:endParaRPr lang="en-US" sz="2400" dirty="0">
-                  <a:latin typeface="Calibri Light"/>
-                  <a:ea typeface="Open Sans Light" panose="020B0306030504020204" pitchFamily="34" charset="0"/>
+                <a:endParaRPr lang="en-US" altLang="en-US" sz="3600" dirty="0">
+                  <a:latin typeface="+mn-ea"/>
                   <a:cs typeface="Calibri Light"/>
                 </a:endParaRPr>
               </a:p>
@@ -26748,7 +27142,7 @@
             <p:spPr>
               <a:xfrm>
                 <a:off x="3028811" y="6612406"/>
-                <a:ext cx="3240297" cy="677072"/>
+                <a:ext cx="3240297" cy="800183"/>
               </a:xfrm>
               <a:prstGeom prst="rect">
                 <a:avLst/>
@@ -26763,13 +27157,13 @@
               <a:p>
                 <a:pPr algn="ctr"/>
                 <a:r>
-                  <a:rPr lang="zh-CN" altLang="en-US" sz="3200" b="1" dirty="0">
+                  <a:rPr lang="zh-CN" altLang="en-US" sz="4000" b="1" dirty="0">
                     <a:latin typeface="Lato Regular"/>
                     <a:cs typeface="Lato Regular"/>
                   </a:rPr>
                   <a:t>开发部署</a:t>
                 </a:r>
-                <a:endParaRPr lang="en-US" sz="3200" b="1" dirty="0">
+                <a:endParaRPr lang="en-US" altLang="en-US" sz="4000" b="1" dirty="0">
                   <a:latin typeface="Lato Regular"/>
                   <a:cs typeface="Lato Regular"/>
                 </a:endParaRPr>
@@ -27184,24 +27578,21 @@
                   <a:buNone/>
                 </a:pPr>
                 <a:r>
-                  <a:rPr lang="en-US" altLang="zh-CN" sz="2400" dirty="0" smtClean="0">
-                    <a:latin typeface="Calibri Light"/>
-                    <a:ea typeface="Open Sans Light" panose="020B0306030504020204" pitchFamily="34" charset="0"/>
+                  <a:rPr lang="en-US" altLang="zh-CN" sz="3600" dirty="0" smtClean="0">
+                    <a:latin typeface="+mn-ea"/>
                     <a:cs typeface="Calibri Light"/>
                   </a:rPr>
                   <a:t>SMARTMINER</a:t>
                 </a:r>
                 <a:r>
-                  <a:rPr lang="zh-CN" altLang="en-US" sz="2400" dirty="0" smtClean="0">
-                    <a:latin typeface="Calibri Light"/>
-                    <a:ea typeface="Open Sans Light" panose="020B0306030504020204" pitchFamily="34" charset="0"/>
+                  <a:rPr lang="zh-CN" altLang="en-US" sz="3600" dirty="0" smtClean="0">
+                    <a:latin typeface="+mn-ea"/>
                     <a:cs typeface="Calibri Light"/>
                   </a:rPr>
                   <a:t>提取数据做挖掘分析</a:t>
                 </a:r>
-                <a:endParaRPr lang="en-US" sz="2400" dirty="0">
-                  <a:latin typeface="Calibri Light"/>
-                  <a:ea typeface="Open Sans Light" panose="020B0306030504020204" pitchFamily="34" charset="0"/>
+                <a:endParaRPr lang="en-US" altLang="en-US" sz="3600" dirty="0" smtClean="0">
+                  <a:latin typeface="+mn-ea"/>
                   <a:cs typeface="Calibri Light"/>
                 </a:endParaRPr>
               </a:p>
@@ -27216,7 +27607,7 @@
             <p:spPr>
               <a:xfrm>
                 <a:off x="2564013" y="6612406"/>
-                <a:ext cx="4186968" cy="677072"/>
+                <a:ext cx="4186968" cy="800183"/>
               </a:xfrm>
               <a:prstGeom prst="rect">
                 <a:avLst/>
@@ -27231,13 +27622,13 @@
               <a:p>
                 <a:pPr algn="ctr"/>
                 <a:r>
-                  <a:rPr lang="zh-CN" altLang="en-US" sz="3200" b="1" dirty="0" smtClean="0">
+                  <a:rPr lang="zh-CN" altLang="en-US" sz="4000" b="1" dirty="0" smtClean="0">
                     <a:latin typeface="Lato Regular"/>
                     <a:cs typeface="Lato Regular"/>
                   </a:rPr>
                   <a:t>挖掘分析</a:t>
                 </a:r>
-                <a:endParaRPr lang="en-US" sz="3200" b="1" dirty="0">
+                <a:endParaRPr lang="en-US" altLang="en-US" sz="4000" b="1" dirty="0">
                   <a:latin typeface="Lato Regular"/>
                   <a:cs typeface="Lato Regular"/>
                 </a:endParaRPr>
@@ -27454,9 +27845,9 @@
         <p:grpSpPr>
           <a:xfrm>
             <a:off x="6313661" y="4877921"/>
-            <a:ext cx="4186968" cy="3135765"/>
+            <a:ext cx="4186968" cy="3982300"/>
             <a:chOff x="6313661" y="3897022"/>
-            <a:chExt cx="4186968" cy="3135765"/>
+            <a:chExt cx="4186968" cy="3982300"/>
           </a:xfrm>
         </p:grpSpPr>
         <p:grpSp>
@@ -27468,9 +27859,9 @@
           <p:grpSpPr>
             <a:xfrm>
               <a:off x="6313661" y="5089753"/>
-              <a:ext cx="4186968" cy="1943034"/>
+              <a:ext cx="4186968" cy="2789569"/>
               <a:chOff x="2564013" y="6612406"/>
-              <a:chExt cx="4186968" cy="1943034"/>
+              <a:chExt cx="4186968" cy="2789569"/>
             </a:xfrm>
           </p:grpSpPr>
           <p:sp>
@@ -27484,7 +27875,7 @@
             <p:spPr>
               <a:xfrm>
                 <a:off x="2564013" y="7308925"/>
-                <a:ext cx="4186968" cy="1246515"/>
+                <a:ext cx="4186968" cy="2093050"/>
               </a:xfrm>
               <a:prstGeom prst="rect">
                 <a:avLst/>
@@ -27663,16 +28054,14 @@
                   <a:buNone/>
                 </a:pPr>
                 <a:r>
-                  <a:rPr lang="zh-CN" altLang="en-US" sz="2400" dirty="0" smtClean="0">
-                    <a:latin typeface="Calibri Light"/>
-                    <a:ea typeface="Open Sans Light" panose="020B0306030504020204" pitchFamily="34" charset="0"/>
+                  <a:rPr lang="zh-CN" altLang="en-US" sz="3600" dirty="0" smtClean="0">
+                    <a:latin typeface="+mn-ea"/>
                     <a:cs typeface="Calibri Light"/>
                   </a:rPr>
                   <a:t>对不同的数据源进行分析，生成分析报告和需求接入申请</a:t>
                 </a:r>
-                <a:endParaRPr lang="en-US" sz="2400" dirty="0">
-                  <a:latin typeface="Calibri Light"/>
-                  <a:ea typeface="Open Sans Light" panose="020B0306030504020204" pitchFamily="34" charset="0"/>
+                <a:endParaRPr lang="en-US" altLang="en-US" sz="3600" dirty="0">
+                  <a:latin typeface="+mn-ea"/>
                   <a:cs typeface="Calibri Light"/>
                 </a:endParaRPr>
               </a:p>
@@ -27687,7 +28076,7 @@
             <p:spPr>
               <a:xfrm>
                 <a:off x="2956766" y="6612406"/>
-                <a:ext cx="3437172" cy="677072"/>
+                <a:ext cx="3437172" cy="800183"/>
               </a:xfrm>
               <a:prstGeom prst="rect">
                 <a:avLst/>
@@ -27702,20 +28091,20 @@
               <a:p>
                 <a:pPr algn="ctr"/>
                 <a:r>
-                  <a:rPr lang="zh-CN" altLang="en-US" sz="3200" b="1" dirty="0">
+                  <a:rPr lang="zh-CN" altLang="en-US" sz="4000" b="1" dirty="0">
                     <a:latin typeface="Lato Regular"/>
                     <a:cs typeface="Lato Regular"/>
                   </a:rPr>
                   <a:t>业</a:t>
                 </a:r>
                 <a:r>
-                  <a:rPr lang="zh-CN" altLang="en-US" sz="3200" b="1" dirty="0" smtClean="0">
+                  <a:rPr lang="zh-CN" altLang="en-US" sz="4000" b="1" dirty="0" smtClean="0">
                     <a:latin typeface="Lato Regular"/>
                     <a:cs typeface="Lato Regular"/>
                   </a:rPr>
                   <a:t>务数据分析</a:t>
                 </a:r>
-                <a:endParaRPr lang="en-US" sz="3200" b="1" dirty="0">
+                <a:endParaRPr lang="en-US" altLang="en-US" sz="4000" b="1" dirty="0">
                   <a:latin typeface="Lato Regular"/>
                   <a:cs typeface="Lato Regular"/>
                 </a:endParaRPr>
@@ -28270,7 +28659,7 @@
     </p:spTree>
     <p:extLst>
       <p:ext uri="{BB962C8B-B14F-4D97-AF65-F5344CB8AC3E}">
-        <p14:creationId xmlns="" xmlns:p14="http://schemas.microsoft.com/office/powerpoint/2010/main" val="2084039207"/>
+        <p14:creationId xmlns:p14="http://schemas.microsoft.com/office/powerpoint/2010/main" xmlns="" val="2084039207"/>
       </p:ext>
     </p:extLst>
   </p:cSld>
@@ -28278,7 +28667,7 @@
     <a:masterClrMapping/>
   </p:clrMapOvr>
   <mc:AlternateContent xmlns:mc="http://schemas.openxmlformats.org/markup-compatibility/2006">
-    <mc:Choice xmlns="" xmlns:p14="http://schemas.microsoft.com/office/powerpoint/2010/main" Requires="p14">
+    <mc:Choice xmlns:p14="http://schemas.microsoft.com/office/powerpoint/2010/main" xmlns="" Requires="p14">
       <p:transition spd="med" p14:dur="700" advClick="0" advTm="3000">
         <p:fade/>
       </p:transition>
@@ -30085,7 +30474,7 @@
     </p:spTree>
     <p:extLst>
       <p:ext uri="{BB962C8B-B14F-4D97-AF65-F5344CB8AC3E}">
-        <p14:creationId xmlns="" xmlns:p14="http://schemas.microsoft.com/office/powerpoint/2010/main" val="3544129489"/>
+        <p14:creationId xmlns:p14="http://schemas.microsoft.com/office/powerpoint/2010/main" xmlns="" val="3544129489"/>
       </p:ext>
     </p:extLst>
   </p:cSld>
@@ -30093,7 +30482,7 @@
     <a:masterClrMapping/>
   </p:clrMapOvr>
   <mc:AlternateContent xmlns:mc="http://schemas.openxmlformats.org/markup-compatibility/2006">
-    <mc:Choice xmlns="" xmlns:p14="http://schemas.microsoft.com/office/powerpoint/2010/main" Requires="p14">
+    <mc:Choice xmlns:p14="http://schemas.microsoft.com/office/powerpoint/2010/main" xmlns="" Requires="p14">
       <p:transition spd="slow" p14:dur="3400" advClick="0" advTm="3000">
         <p14:reveal/>
       </p:transition>
@@ -31364,7 +31753,7 @@
     </p:spTree>
     <p:extLst>
       <p:ext uri="{BB962C8B-B14F-4D97-AF65-F5344CB8AC3E}">
-        <p14:creationId xmlns="" xmlns:p14="http://schemas.microsoft.com/office/powerpoint/2010/main" val="2465123097"/>
+        <p14:creationId xmlns:p14="http://schemas.microsoft.com/office/powerpoint/2010/main" xmlns="" val="2465123097"/>
       </p:ext>
     </p:extLst>
   </p:cSld>
@@ -31372,7 +31761,7 @@
     <a:masterClrMapping/>
   </p:clrMapOvr>
   <mc:AlternateContent xmlns:mc="http://schemas.openxmlformats.org/markup-compatibility/2006">
-    <mc:Choice xmlns="" xmlns:p14="http://schemas.microsoft.com/office/powerpoint/2010/main" Requires="p14">
+    <mc:Choice xmlns:p14="http://schemas.microsoft.com/office/powerpoint/2010/main" xmlns="" Requires="p14">
       <p:transition spd="slow" p14:dur="3400" advClick="0" advTm="3000">
         <p14:reveal/>
       </p:transition>
@@ -31710,7 +32099,7 @@
           <a:blip r:embed="rId3">
             <a:extLst>
               <a:ext uri="{28A0092B-C50C-407E-A947-70E740481C1C}">
-                <a14:useLocalDpi xmlns="" xmlns:a14="http://schemas.microsoft.com/office/drawing/2010/main" val="0"/>
+                <a14:useLocalDpi xmlns:a14="http://schemas.microsoft.com/office/drawing/2010/main" xmlns="" val="0"/>
               </a:ext>
             </a:extLst>
           </a:blip>
@@ -31730,7 +32119,7 @@
           <a:noFill/>
           <a:extLst>
             <a:ext uri="{909E8E84-426E-40DD-AFC4-6F175D3DCCD1}">
-              <a14:hiddenFill xmlns="" xmlns:a14="http://schemas.microsoft.com/office/drawing/2010/main">
+              <a14:hiddenFill xmlns:a14="http://schemas.microsoft.com/office/drawing/2010/main" xmlns="">
                 <a:solidFill>
                   <a:srgbClr val="FFFFFF"/>
                 </a:solidFill>
@@ -31851,7 +32240,7 @@
     </p:spTree>
     <p:extLst>
       <p:ext uri="{BB962C8B-B14F-4D97-AF65-F5344CB8AC3E}">
-        <p14:creationId xmlns="" xmlns:p14="http://schemas.microsoft.com/office/powerpoint/2010/main" val="523122956"/>
+        <p14:creationId xmlns:p14="http://schemas.microsoft.com/office/powerpoint/2010/main" xmlns="" val="523122956"/>
       </p:ext>
     </p:extLst>
   </p:cSld>
@@ -31859,7 +32248,7 @@
     <a:masterClrMapping/>
   </p:clrMapOvr>
   <mc:AlternateContent xmlns:mc="http://schemas.openxmlformats.org/markup-compatibility/2006">
-    <mc:Choice xmlns="" xmlns:p14="http://schemas.microsoft.com/office/powerpoint/2010/main" Requires="p14">
+    <mc:Choice xmlns:p14="http://schemas.microsoft.com/office/powerpoint/2010/main" xmlns="" Requires="p14">
       <p:transition spd="slow" p14:dur="2000"/>
     </mc:Choice>
     <mc:Fallback>
@@ -32760,7 +33149,7 @@
             </a:ln>
             <a:extLst>
               <a:ext uri="{91240B29-F687-4f45-9708-019B960494DF}">
-                <a14:hiddenLine xmlns:a14="http://schemas.microsoft.com/office/drawing/2010/main" xmlns="" w="9525">
+                <a14:hiddenLine xmlns="" xmlns:a14="http://schemas.microsoft.com/office/drawing/2010/main" w="9525">
                   <a:solidFill>
                     <a:srgbClr val="000000"/>
                   </a:solidFill>
@@ -32998,7 +33387,7 @@
             </a:ln>
             <a:extLst>
               <a:ext uri="{91240B29-F687-4f45-9708-019B960494DF}">
-                <a14:hiddenLine xmlns:a14="http://schemas.microsoft.com/office/drawing/2010/main" xmlns="" w="9525">
+                <a14:hiddenLine xmlns="" xmlns:a14="http://schemas.microsoft.com/office/drawing/2010/main" w="9525">
                   <a:solidFill>
                     <a:srgbClr val="000000"/>
                   </a:solidFill>
@@ -33158,7 +33547,7 @@
             </a:ln>
             <a:extLst>
               <a:ext uri="{91240B29-F687-4f45-9708-019B960494DF}">
-                <a14:hiddenLine xmlns:a14="http://schemas.microsoft.com/office/drawing/2010/main" xmlns="" w="9525">
+                <a14:hiddenLine xmlns="" xmlns:a14="http://schemas.microsoft.com/office/drawing/2010/main" w="9525">
                   <a:solidFill>
                     <a:srgbClr val="000000"/>
                   </a:solidFill>
@@ -33285,7 +33674,7 @@
             </a:ln>
             <a:extLst>
               <a:ext uri="{91240B29-F687-4f45-9708-019B960494DF}">
-                <a14:hiddenLine xmlns:a14="http://schemas.microsoft.com/office/drawing/2010/main" xmlns="" w="9525">
+                <a14:hiddenLine xmlns="" xmlns:a14="http://schemas.microsoft.com/office/drawing/2010/main" w="9525">
                   <a:solidFill>
                     <a:srgbClr val="000000"/>
                   </a:solidFill>
@@ -33476,7 +33865,7 @@
             </a:ln>
             <a:extLst>
               <a:ext uri="{91240B29-F687-4f45-9708-019B960494DF}">
-                <a14:hiddenLine xmlns:a14="http://schemas.microsoft.com/office/drawing/2010/main" xmlns="" w="9525">
+                <a14:hiddenLine xmlns="" xmlns:a14="http://schemas.microsoft.com/office/drawing/2010/main" w="9525">
                   <a:solidFill>
                     <a:srgbClr val="000000"/>
                   </a:solidFill>
@@ -33603,7 +33992,7 @@
             </a:ln>
             <a:extLst>
               <a:ext uri="{91240B29-F687-4f45-9708-019B960494DF}">
-                <a14:hiddenLine xmlns:a14="http://schemas.microsoft.com/office/drawing/2010/main" xmlns="" w="9525">
+                <a14:hiddenLine xmlns="" xmlns:a14="http://schemas.microsoft.com/office/drawing/2010/main" w="9525">
                   <a:solidFill>
                     <a:srgbClr val="000000"/>
                   </a:solidFill>
@@ -33868,16 +34257,22 @@
               <a:t>稀疏回归、逻辑回归、稀疏线性、</a:t>
             </a:r>
             <a:r>
-              <a:rPr lang="en-US" altLang="zh-CN" sz="4000" dirty="0">
+              <a:rPr lang="en-US" altLang="zh-CN" sz="4000" dirty="0" err="1">
                 <a:latin typeface="+mn-ea"/>
               </a:rPr>
               <a:t>PageRank</a:t>
             </a:r>
             <a:r>
+              <a:rPr lang="zh-CN" altLang="en-US" sz="4000" dirty="0" smtClean="0">
+                <a:latin typeface="+mn-ea"/>
+              </a:rPr>
+              <a:t>、特征</a:t>
+            </a:r>
+            <a:r>
               <a:rPr lang="zh-CN" altLang="en-US" sz="4000" dirty="0">
                 <a:latin typeface="+mn-ea"/>
               </a:rPr>
-              <a:t>、衍生属性计算、特征建模、决策树分裂、邻接点分析等。</a:t>
+              <a:t>建模、决策树分裂、邻接点分析等。</a:t>
             </a:r>
           </a:p>
           <a:p>
@@ -33897,7 +34292,7 @@
     </p:spTree>
     <p:extLst>
       <p:ext uri="{BB962C8B-B14F-4D97-AF65-F5344CB8AC3E}">
-        <p14:creationId xmlns="" xmlns:p14="http://schemas.microsoft.com/office/powerpoint/2010/main" val="2150304543"/>
+        <p14:creationId xmlns:p14="http://schemas.microsoft.com/office/powerpoint/2010/main" xmlns="" val="2150304543"/>
       </p:ext>
     </p:extLst>
   </p:cSld>
@@ -33905,7 +34300,7 @@
     <a:masterClrMapping/>
   </p:clrMapOvr>
   <mc:AlternateContent xmlns:mc="http://schemas.openxmlformats.org/markup-compatibility/2006">
-    <mc:Choice xmlns="" xmlns:p14="http://schemas.microsoft.com/office/powerpoint/2010/main" Requires="p14">
+    <mc:Choice xmlns:p14="http://schemas.microsoft.com/office/powerpoint/2010/main" xmlns="" Requires="p14">
       <p:transition spd="slow" p14:dur="3400" advClick="0" advTm="3000">
         <p14:reveal/>
       </p:transition>
@@ -34242,7 +34637,7 @@
           <a:blip r:embed="rId3">
             <a:extLst>
               <a:ext uri="{28A0092B-C50C-407E-A947-70E740481C1C}">
-                <a14:useLocalDpi xmlns="" xmlns:a14="http://schemas.microsoft.com/office/drawing/2010/main" val="0"/>
+                <a14:useLocalDpi xmlns:a14="http://schemas.microsoft.com/office/drawing/2010/main" xmlns="" val="0"/>
               </a:ext>
             </a:extLst>
           </a:blip>
@@ -34262,7 +34657,7 @@
           <a:noFill/>
           <a:extLst>
             <a:ext uri="{909E8E84-426E-40DD-AFC4-6F175D3DCCD1}">
-              <a14:hiddenFill xmlns="" xmlns:a14="http://schemas.microsoft.com/office/drawing/2010/main">
+              <a14:hiddenFill xmlns:a14="http://schemas.microsoft.com/office/drawing/2010/main" xmlns="">
                 <a:solidFill>
                   <a:srgbClr val="FFFFFF"/>
                 </a:solidFill>
@@ -34283,7 +34678,7 @@
           <a:blip r:embed="rId4">
             <a:extLst>
               <a:ext uri="{28A0092B-C50C-407E-A947-70E740481C1C}">
-                <a14:useLocalDpi xmlns="" xmlns:a14="http://schemas.microsoft.com/office/drawing/2010/main" val="0"/>
+                <a14:useLocalDpi xmlns:a14="http://schemas.microsoft.com/office/drawing/2010/main" xmlns="" val="0"/>
               </a:ext>
             </a:extLst>
           </a:blip>
@@ -34303,7 +34698,7 @@
           <a:noFill/>
           <a:extLst>
             <a:ext uri="{909E8E84-426E-40DD-AFC4-6F175D3DCCD1}">
-              <a14:hiddenFill xmlns="" xmlns:a14="http://schemas.microsoft.com/office/drawing/2010/main">
+              <a14:hiddenFill xmlns:a14="http://schemas.microsoft.com/office/drawing/2010/main" xmlns="">
                 <a:solidFill>
                   <a:srgbClr val="FFFFFF"/>
                 </a:solidFill>
@@ -34475,7 +34870,7 @@
     </p:spTree>
     <p:extLst>
       <p:ext uri="{BB962C8B-B14F-4D97-AF65-F5344CB8AC3E}">
-        <p14:creationId xmlns="" xmlns:p14="http://schemas.microsoft.com/office/powerpoint/2010/main" val="1696288997"/>
+        <p14:creationId xmlns:p14="http://schemas.microsoft.com/office/powerpoint/2010/main" xmlns="" val="1696288997"/>
       </p:ext>
     </p:extLst>
   </p:cSld>
@@ -34483,7 +34878,7 @@
     <a:masterClrMapping/>
   </p:clrMapOvr>
   <mc:AlternateContent xmlns:mc="http://schemas.openxmlformats.org/markup-compatibility/2006">
-    <mc:Choice xmlns="" xmlns:p14="http://schemas.microsoft.com/office/powerpoint/2010/main" Requires="p14">
+    <mc:Choice xmlns:p14="http://schemas.microsoft.com/office/powerpoint/2010/main" xmlns="" Requires="p14">
       <p:transition spd="slow" p14:dur="3400" advClick="0" advTm="3000">
         <p14:reveal/>
       </p:transition>
@@ -35812,7 +36207,7 @@
     </p:spTree>
     <p:extLst>
       <p:ext uri="{BB962C8B-B14F-4D97-AF65-F5344CB8AC3E}">
-        <p14:creationId xmlns="" xmlns:p14="http://schemas.microsoft.com/office/powerpoint/2010/main" val="3297305045"/>
+        <p14:creationId xmlns:p14="http://schemas.microsoft.com/office/powerpoint/2010/main" xmlns="" val="3297305045"/>
       </p:ext>
     </p:extLst>
   </p:cSld>
@@ -35820,7 +36215,7 @@
     <a:masterClrMapping/>
   </p:clrMapOvr>
   <mc:AlternateContent xmlns:mc="http://schemas.openxmlformats.org/markup-compatibility/2006">
-    <mc:Choice xmlns="" xmlns:p14="http://schemas.microsoft.com/office/powerpoint/2010/main" Requires="p14">
+    <mc:Choice xmlns:p14="http://schemas.microsoft.com/office/powerpoint/2010/main" xmlns="" Requires="p14">
       <p:transition spd="slow" p14:dur="3400" advClick="0" advTm="3000">
         <p14:reveal/>
       </p:transition>
@@ -36195,14 +36590,7 @@
                 <a:latin typeface="Calibri Light"/>
                 <a:cs typeface="Calibri Light"/>
               </a:rPr>
-              <a:t>一群</a:t>
-            </a:r>
-            <a:r>
-              <a:rPr lang="zh-CN" altLang="en-US" sz="4000" smtClean="0">
-                <a:latin typeface="Calibri Light"/>
-                <a:cs typeface="Calibri Light"/>
-              </a:rPr>
-              <a:t>什么样的</a:t>
+              <a:t>一群什么样的</a:t>
             </a:r>
             <a:r>
               <a:rPr lang="zh-CN" altLang="en-US" sz="4000" dirty="0">
@@ -36258,21 +36646,7 @@
                 <a:latin typeface="Calibri Light"/>
                 <a:cs typeface="Calibri Light"/>
               </a:rPr>
-              <a:t>空缺</a:t>
-            </a:r>
-            <a:r>
-              <a:rPr lang="zh-CN" altLang="en-US" sz="3200" dirty="0" smtClean="0">
-                <a:latin typeface="Calibri Light"/>
-                <a:cs typeface="Calibri Light"/>
-              </a:rPr>
-              <a:t>值</a:t>
-            </a:r>
-            <a:r>
-              <a:rPr lang="zh-CN" altLang="en-US" sz="3200" dirty="0" smtClean="0">
-                <a:latin typeface="Calibri Light"/>
-                <a:cs typeface="Calibri Light"/>
-              </a:rPr>
-              <a:t>： 删除整行，填充默认值，均值，众数</a:t>
+              <a:t>空缺值： 删除整行，填充默认值，均值，众数</a:t>
             </a:r>
             <a:endParaRPr lang="en-US" altLang="zh-CN" sz="3200" dirty="0" smtClean="0">
               <a:latin typeface="Calibri Light"/>
@@ -37457,7 +37831,7 @@
               </a:ln>
               <a:extLst>
                 <a:ext uri="{91240B29-F687-4f45-9708-019B960494DF}">
-                  <a14:hiddenLine xmlns:a14="http://schemas.microsoft.com/office/drawing/2010/main" xmlns="" w="9525">
+                  <a14:hiddenLine xmlns="" xmlns:a14="http://schemas.microsoft.com/office/drawing/2010/main" w="9525">
                     <a:solidFill>
                       <a:srgbClr val="000000"/>
                     </a:solidFill>
@@ -37617,7 +37991,7 @@
               </a:ln>
               <a:extLst>
                 <a:ext uri="{91240B29-F687-4f45-9708-019B960494DF}">
-                  <a14:hiddenLine xmlns:a14="http://schemas.microsoft.com/office/drawing/2010/main" xmlns="" w="9525">
+                  <a14:hiddenLine xmlns="" xmlns:a14="http://schemas.microsoft.com/office/drawing/2010/main" w="9525">
                     <a:solidFill>
                       <a:srgbClr val="000000"/>
                     </a:solidFill>
@@ -37795,7 +38169,7 @@
               </a:ln>
               <a:extLst>
                 <a:ext uri="{91240B29-F687-4f45-9708-019B960494DF}">
-                  <a14:hiddenLine xmlns:a14="http://schemas.microsoft.com/office/drawing/2010/main" xmlns="" w="9525">
+                  <a14:hiddenLine xmlns="" xmlns:a14="http://schemas.microsoft.com/office/drawing/2010/main" w="9525">
                     <a:solidFill>
                       <a:srgbClr val="000000"/>
                     </a:solidFill>
@@ -37950,15 +38324,7 @@
                   <a:ea typeface="Open Sans Light" panose="020B0306030504020204" pitchFamily="34" charset="0"/>
                   <a:cs typeface="Calibri Light"/>
                 </a:rPr>
-                <a:t>8</a:t>
-              </a:r>
-              <a:r>
-                <a:rPr lang="en-US" altLang="zh-CN" sz="4000" dirty="0" smtClean="0">
-                  <a:latin typeface="Calibri Light"/>
-                  <a:ea typeface="Open Sans Light" panose="020B0306030504020204" pitchFamily="34" charset="0"/>
-                  <a:cs typeface="Calibri Light"/>
-                </a:rPr>
-                <a:t>0</a:t>
+                <a:t>80</a:t>
               </a:r>
               <a:r>
                 <a:rPr lang="en-US" altLang="zh-CN" sz="4000" dirty="0">
@@ -38012,7 +38378,7 @@
     </p:spTree>
     <p:extLst>
       <p:ext uri="{BB962C8B-B14F-4D97-AF65-F5344CB8AC3E}">
-        <p14:creationId xmlns="" xmlns:p14="http://schemas.microsoft.com/office/powerpoint/2010/main" val="851117761"/>
+        <p14:creationId xmlns:p14="http://schemas.microsoft.com/office/powerpoint/2010/main" xmlns="" val="851117761"/>
       </p:ext>
     </p:extLst>
   </p:cSld>
@@ -38020,7 +38386,7 @@
     <a:masterClrMapping/>
   </p:clrMapOvr>
   <mc:AlternateContent xmlns:mc="http://schemas.openxmlformats.org/markup-compatibility/2006">
-    <mc:Choice xmlns="" xmlns:p14="http://schemas.microsoft.com/office/powerpoint/2010/main" Requires="p14">
+    <mc:Choice xmlns:p14="http://schemas.microsoft.com/office/powerpoint/2010/main" xmlns="" Requires="p14">
       <p:transition spd="slow" p14:dur="3400" advClick="0" advTm="3000">
         <p14:reveal/>
       </p:transition>
@@ -38218,7 +38584,7 @@
         <a:srgbClr val="7E7E7E"/>
       </a:dk1>
       <a:lt1>
-        <a:sysClr val="window" lastClr="CAEACE"/>
+        <a:sysClr val="window" lastClr="FFFFFF"/>
       </a:lt1>
       <a:dk2>
         <a:srgbClr val="6B6B6B"/>
@@ -38405,7 +38771,7 @@
   <a:extraClrSchemeLst/>
   <a:extLst>
     <a:ext uri="{05A4C25C-085E-4340-85A3-A5531E510DB2}">
-      <thm15:themeFamily xmlns="" xmlns:thm15="http://schemas.microsoft.com/office/thememl/2012/main" name="Office Theme" id="{62F939B6-93AF-4DB8-9C6B-D6C7DFDC589F}" vid="{4A3C46E8-61CC-4603-A589-7422A47A8E4A}"/>
+      <thm15:themeFamily xmlns:thm15="http://schemas.microsoft.com/office/thememl/2012/main" xmlns="" name="Office Theme" id="{62F939B6-93AF-4DB8-9C6B-D6C7DFDC589F}" vid="{4A3C46E8-61CC-4603-A589-7422A47A8E4A}"/>
     </a:ext>
   </a:extLst>
 </a:theme>
@@ -38419,7 +38785,7 @@
         <a:sysClr val="windowText" lastClr="000000"/>
       </a:dk1>
       <a:lt1>
-        <a:sysClr val="window" lastClr="CAEACE"/>
+        <a:sysClr val="window" lastClr="FFFFFF"/>
       </a:lt1>
       <a:dk2>
         <a:srgbClr val="1F497D"/>
